--- a/Slides.pptx
+++ b/Slides.pptx
@@ -12,9 +12,9 @@
   </p:handoutMasterIdLst>
   <p:sldIdLst>
     <p:sldId id="256" r:id="rId2"/>
-    <p:sldId id="257" r:id="rId3"/>
-    <p:sldId id="258" r:id="rId4"/>
-    <p:sldId id="262" r:id="rId5"/>
+    <p:sldId id="262" r:id="rId3"/>
+    <p:sldId id="257" r:id="rId4"/>
+    <p:sldId id="258" r:id="rId5"/>
     <p:sldId id="259" r:id="rId6"/>
     <p:sldId id="260" r:id="rId7"/>
     <p:sldId id="261" r:id="rId8"/>
@@ -126,6 +126,15 @@
     </p:ext>
   </p:extLst>
 </p:presentation>
+</file>
+
+<file path=ppt/revisionInfo.xml><?xml version="1.0" encoding="utf-8"?>
+<p1510:revInfo xmlns:a="http://schemas.openxmlformats.org/drawingml/2006/main" xmlns:r="http://schemas.openxmlformats.org/officeDocument/2006/relationships" xmlns:p1510="http://schemas.microsoft.com/office/powerpoint/2015/10/main">
+  <p1510:revLst>
+    <p1510:client id="{370AEFA1-9595-45B9-B960-79B3C400ACED}" v="34" dt="2020-01-24T01:29:28.059"/>
+    <p1510:client id="{83A38C93-6FCF-4016-8877-7115D028395A}" v="190" dt="2020-01-24T19:41:00.301"/>
+  </p1510:revLst>
+</p1510:revInfo>
 </file>
 
 <file path=ppt/diagrams/colors1.xml><?xml version="1.0" encoding="utf-8"?>
@@ -1776,11 +1785,11 @@
           <a:pPr rtl="0"/>
           <a:r>
             <a:rPr lang="pt-BR" sz="2400" noProof="0" dirty="0">
-              <a:latin typeface="Tahoma" panose="020B0604030504040204" pitchFamily="34" charset="0"/>
-              <a:ea typeface="Tahoma" panose="020B0604030504040204" pitchFamily="34" charset="0"/>
-              <a:cs typeface="Tahoma" panose="020B0604030504040204" pitchFamily="34" charset="0"/>
+              <a:latin typeface="Tahoma"/>
+              <a:ea typeface="Tahoma"/>
+              <a:cs typeface="Tahoma"/>
             </a:rPr>
-            <a:t>Segurança e evitar custos ao consumidor </a:t>
+            <a:t>Segurança e evitar custos adicionais ao consumidor </a:t>
           </a:r>
         </a:p>
       </dgm:t>
@@ -1862,11 +1871,11 @@
           <a:pPr rtl="0"/>
           <a:r>
             <a:rPr lang="pt-BR" sz="2400" noProof="0" dirty="0">
-              <a:latin typeface="Tahoma" panose="020B0604030504040204" pitchFamily="34" charset="0"/>
-              <a:ea typeface="Tahoma" panose="020B0604030504040204" pitchFamily="34" charset="0"/>
-              <a:cs typeface="Tahoma" panose="020B0604030504040204" pitchFamily="34" charset="0"/>
+              <a:latin typeface="Tahoma"/>
+              <a:ea typeface="Tahoma"/>
+              <a:cs typeface="Tahoma"/>
             </a:rPr>
-            <a:t>Industrias, comércio e residências</a:t>
+            <a:t>Industrias, comércios e residências</a:t>
           </a:r>
         </a:p>
       </dgm:t>
@@ -1905,11 +1914,11 @@
           <a:pPr rtl="0"/>
           <a:r>
             <a:rPr lang="pt-BR" noProof="0" dirty="0">
-              <a:latin typeface="Tahoma" panose="020B0604030504040204" pitchFamily="34" charset="0"/>
-              <a:ea typeface="Tahoma" panose="020B0604030504040204" pitchFamily="34" charset="0"/>
-              <a:cs typeface="Tahoma" panose="020B0604030504040204" pitchFamily="34" charset="0"/>
+              <a:latin typeface="Tahoma"/>
+              <a:ea typeface="Tahoma"/>
+              <a:cs typeface="Tahoma"/>
             </a:rPr>
-            <a:t>Qual a importância na atualidade?</a:t>
+            <a:t>Qual a importância dessa aplicação atualidade?</a:t>
           </a:r>
         </a:p>
       </dgm:t>
@@ -2090,37 +2099,37 @@
   </dgm:ptLst>
   <dgm:cxnLst>
     <dgm:cxn modelId="{56052809-46E4-4445-B520-94004C28BB9D}" srcId="{A7F7584C-6CC5-40A2-9566-2842A5DEA97A}" destId="{9D8DAFB6-C744-4BD6-B757-393BF647EBB6}" srcOrd="0" destOrd="0" parTransId="{17C1C47E-8D1A-404A-B227-B017391CB5F6}" sibTransId="{C9B44773-68B1-427B-B9CA-0AEA186B621E}"/>
-    <dgm:cxn modelId="{A38C1039-CB78-4EBF-844F-7A838983E228}" type="presOf" srcId="{A7F7584C-6CC5-40A2-9566-2842A5DEA97A}" destId="{8A3FE5E4-2689-4041-B2C5-C63BC276A3EF}" srcOrd="0" destOrd="0" presId="urn:microsoft.com/office/officeart/2005/8/layout/vList5"/>
+    <dgm:cxn modelId="{ADA16C0F-162D-4D62-85E9-BC70BB169159}" type="presOf" srcId="{2A9B6C90-9B70-4ED8-9084-8651413BB905}" destId="{A66EBD3D-E7C5-421C-B8B5-728648057DDC}" srcOrd="0" destOrd="0" presId="urn:microsoft.com/office/officeart/2005/8/layout/vList5"/>
+    <dgm:cxn modelId="{E4EBB628-9822-41AD-8EFB-86A31C34F8D9}" type="presOf" srcId="{0D51337A-31FA-4717-B2BF-9243F96D2B9B}" destId="{3230722F-B757-4673-BD2F-9D4BAB5CEE8D}" srcOrd="0" destOrd="0" presId="urn:microsoft.com/office/officeart/2005/8/layout/vList5"/>
+    <dgm:cxn modelId="{09EE9529-9B03-4AB1-AC37-FCAB35227E16}" type="presOf" srcId="{95A524E6-8A71-49A1-AF74-29696A02028A}" destId="{95E0557D-F0A1-4F38-8083-55DE7503164F}" srcOrd="0" destOrd="0" presId="urn:microsoft.com/office/officeart/2005/8/layout/vList5"/>
     <dgm:cxn modelId="{764A7F40-FC93-4B5E-82E4-B29F920B2D30}" srcId="{928B5CB8-3545-4EE5-8BED-981D3C6157A5}" destId="{95A524E6-8A71-49A1-AF74-29696A02028A}" srcOrd="0" destOrd="0" parTransId="{52C86CAF-440B-4BB7-BD46-805908EC2D17}" sibTransId="{EE0C23C2-8A0C-497A-A914-ED60FDCA930F}"/>
     <dgm:cxn modelId="{1D59D94A-4BF7-417E-B49B-225C005839A9}" srcId="{51A6936C-668E-4912-B1B4-BA2D45D3F624}" destId="{2A9B6C90-9B70-4ED8-9084-8651413BB905}" srcOrd="0" destOrd="0" parTransId="{47C005B7-F5AA-4111-A87D-782B117A0259}" sibTransId="{54109FB3-0563-4B2C-BFF0-181E047427F8}"/>
-    <dgm:cxn modelId="{6DF17F4D-4120-4DE8-8738-503F2519CD40}" type="presOf" srcId="{9D8DAFB6-C744-4BD6-B757-393BF647EBB6}" destId="{329ECF1A-78BE-41CB-B252-8011825B67CD}" srcOrd="0" destOrd="0" presId="urn:microsoft.com/office/officeart/2005/8/layout/vList5"/>
-    <dgm:cxn modelId="{D51B6075-27E4-4292-9F89-0CC50DF21ED9}" type="presOf" srcId="{51A6936C-668E-4912-B1B4-BA2D45D3F624}" destId="{1C763A21-352A-41D1-A2E2-E305DABA275D}" srcOrd="0" destOrd="0" presId="urn:microsoft.com/office/officeart/2005/8/layout/vList5"/>
     <dgm:cxn modelId="{9E6BB655-7FE4-4F8D-B1D2-F885E60B8754}" srcId="{81269538-BFC5-48BB-BEA1-D7AF1F385FD5}" destId="{0D51337A-31FA-4717-B2BF-9243F96D2B9B}" srcOrd="0" destOrd="0" parTransId="{A9294D65-F371-46C8-A624-E557E9DF1A30}" sibTransId="{6799645E-F42F-43D8-B2EA-A1377D84D0B3}"/>
+    <dgm:cxn modelId="{A8C67B56-B99D-44C0-925E-D627507AFFE9}" type="presOf" srcId="{928B5CB8-3545-4EE5-8BED-981D3C6157A5}" destId="{B9324B26-5FF5-4FF7-9073-66103CBE8481}" srcOrd="0" destOrd="0" presId="urn:microsoft.com/office/officeart/2005/8/layout/vList5"/>
     <dgm:cxn modelId="{085D3777-7996-4375-B5FB-BFD96D1BF9E4}" srcId="{81269538-BFC5-48BB-BEA1-D7AF1F385FD5}" destId="{928B5CB8-3545-4EE5-8BED-981D3C6157A5}" srcOrd="3" destOrd="0" parTransId="{8452F8D0-82FD-4609-B6BD-446E31563D8A}" sibTransId="{8EF545BA-8D8A-4813-A428-2F18D76E61FA}"/>
-    <dgm:cxn modelId="{C65EFE7A-5430-4917-89D2-D70BAF0289E3}" type="presOf" srcId="{2A9B6C90-9B70-4ED8-9084-8651413BB905}" destId="{A66EBD3D-E7C5-421C-B8B5-728648057DDC}" srcOrd="0" destOrd="0" presId="urn:microsoft.com/office/officeart/2005/8/layout/vList5"/>
     <dgm:cxn modelId="{A316347C-9D1A-43C6-BE2B-DC184440E1C9}" srcId="{0D51337A-31FA-4717-B2BF-9243F96D2B9B}" destId="{E40970FA-9468-4353-8343-FE5E2BEBB8B0}" srcOrd="0" destOrd="0" parTransId="{85FA6A33-9FA9-4134-A6A3-A5D4748A1779}" sibTransId="{04FF68DF-CF36-4D12-9ECE-A3519B0AC88A}"/>
     <dgm:cxn modelId="{53988784-A0E1-4D82-B36B-740DE83EB0C9}" type="presOf" srcId="{81269538-BFC5-48BB-BEA1-D7AF1F385FD5}" destId="{99FD7F24-5BB9-46E8-BB7C-4B477B73B815}" srcOrd="0" destOrd="0" presId="urn:microsoft.com/office/officeart/2005/8/layout/vList5"/>
-    <dgm:cxn modelId="{993E0796-DCBD-4EB2-9BAB-4437E125DA45}" type="presOf" srcId="{E40970FA-9468-4353-8343-FE5E2BEBB8B0}" destId="{6FB9694A-6C63-4B23-90F6-4F208C00D399}" srcOrd="0" destOrd="0" presId="urn:microsoft.com/office/officeart/2005/8/layout/vList5"/>
+    <dgm:cxn modelId="{C7DEA0B9-2087-4B69-966F-E0AE245E46A4}" type="presOf" srcId="{9D8DAFB6-C744-4BD6-B757-393BF647EBB6}" destId="{329ECF1A-78BE-41CB-B252-8011825B67CD}" srcOrd="0" destOrd="0" presId="urn:microsoft.com/office/officeart/2005/8/layout/vList5"/>
     <dgm:cxn modelId="{000FE2BB-9FE6-4965-ADF5-E3E85B644286}" srcId="{81269538-BFC5-48BB-BEA1-D7AF1F385FD5}" destId="{51A6936C-668E-4912-B1B4-BA2D45D3F624}" srcOrd="2" destOrd="0" parTransId="{8F7D40F1-9723-47F5-BFD2-340696378D49}" sibTransId="{E68031D9-E3F9-439E-86FC-2A0A3A3988D0}"/>
     <dgm:cxn modelId="{F68422C1-CD34-4DED-AA4B-85EFFF4FE933}" srcId="{81269538-BFC5-48BB-BEA1-D7AF1F385FD5}" destId="{A7F7584C-6CC5-40A2-9566-2842A5DEA97A}" srcOrd="1" destOrd="0" parTransId="{581272CD-5908-4C17-8E9B-8BF6DCE43C3E}" sibTransId="{C41ED6A4-512C-48AB-901D-671B73446005}"/>
-    <dgm:cxn modelId="{02B1C3C3-F2D2-4C80-8962-E0C9B39A6EF4}" type="presOf" srcId="{0D51337A-31FA-4717-B2BF-9243F96D2B9B}" destId="{3230722F-B757-4673-BD2F-9D4BAB5CEE8D}" srcOrd="0" destOrd="0" presId="urn:microsoft.com/office/officeart/2005/8/layout/vList5"/>
-    <dgm:cxn modelId="{A44DF6E5-2150-478D-AAB9-24BC6742BCEE}" type="presOf" srcId="{928B5CB8-3545-4EE5-8BED-981D3C6157A5}" destId="{B9324B26-5FF5-4FF7-9073-66103CBE8481}" srcOrd="0" destOrd="0" presId="urn:microsoft.com/office/officeart/2005/8/layout/vList5"/>
-    <dgm:cxn modelId="{66EBA0EC-F77C-4ABE-8815-8C8F4F6ACAB5}" type="presOf" srcId="{95A524E6-8A71-49A1-AF74-29696A02028A}" destId="{95E0557D-F0A1-4F38-8083-55DE7503164F}" srcOrd="0" destOrd="0" presId="urn:microsoft.com/office/officeart/2005/8/layout/vList5"/>
-    <dgm:cxn modelId="{45435F90-22A5-4C03-B101-FD4577E8A794}" type="presParOf" srcId="{99FD7F24-5BB9-46E8-BB7C-4B477B73B815}" destId="{BBAB8945-0B00-4547-92CF-AE59FDD0EF39}" srcOrd="0" destOrd="0" presId="urn:microsoft.com/office/officeart/2005/8/layout/vList5"/>
-    <dgm:cxn modelId="{B399DCC2-FF40-4D75-A2A7-A495D4AF2387}" type="presParOf" srcId="{BBAB8945-0B00-4547-92CF-AE59FDD0EF39}" destId="{3230722F-B757-4673-BD2F-9D4BAB5CEE8D}" srcOrd="0" destOrd="0" presId="urn:microsoft.com/office/officeart/2005/8/layout/vList5"/>
-    <dgm:cxn modelId="{4A0749A4-83B7-4DF9-BA0E-5506B76F10A1}" type="presParOf" srcId="{BBAB8945-0B00-4547-92CF-AE59FDD0EF39}" destId="{6FB9694A-6C63-4B23-90F6-4F208C00D399}" srcOrd="1" destOrd="0" presId="urn:microsoft.com/office/officeart/2005/8/layout/vList5"/>
-    <dgm:cxn modelId="{26C2F444-58E5-4B3C-A169-EBC64ABE0EE9}" type="presParOf" srcId="{99FD7F24-5BB9-46E8-BB7C-4B477B73B815}" destId="{3E4AEBB9-D07D-412D-A9F3-5F50CE85FF20}" srcOrd="1" destOrd="0" presId="urn:microsoft.com/office/officeart/2005/8/layout/vList5"/>
-    <dgm:cxn modelId="{FB2D3183-70C6-44DD-875A-CC09A2C89FEB}" type="presParOf" srcId="{99FD7F24-5BB9-46E8-BB7C-4B477B73B815}" destId="{C60E4332-AB2E-4201-AF29-E3D9D2CE99DD}" srcOrd="2" destOrd="0" presId="urn:microsoft.com/office/officeart/2005/8/layout/vList5"/>
-    <dgm:cxn modelId="{B9D84324-BE5B-4514-8201-6B25BE814C19}" type="presParOf" srcId="{C60E4332-AB2E-4201-AF29-E3D9D2CE99DD}" destId="{8A3FE5E4-2689-4041-B2C5-C63BC276A3EF}" srcOrd="0" destOrd="0" presId="urn:microsoft.com/office/officeart/2005/8/layout/vList5"/>
-    <dgm:cxn modelId="{62F196CC-DD4E-41F1-95F6-0E80E18CA40A}" type="presParOf" srcId="{C60E4332-AB2E-4201-AF29-E3D9D2CE99DD}" destId="{329ECF1A-78BE-41CB-B252-8011825B67CD}" srcOrd="1" destOrd="0" presId="urn:microsoft.com/office/officeart/2005/8/layout/vList5"/>
-    <dgm:cxn modelId="{902C8576-A8E1-4C1E-B647-4F0EFC878EDE}" type="presParOf" srcId="{99FD7F24-5BB9-46E8-BB7C-4B477B73B815}" destId="{CF97419B-1653-4404-8A25-A4EB2811914A}" srcOrd="3" destOrd="0" presId="urn:microsoft.com/office/officeart/2005/8/layout/vList5"/>
-    <dgm:cxn modelId="{C0AE58B2-3BCF-4A17-9962-82AF5DB00A66}" type="presParOf" srcId="{99FD7F24-5BB9-46E8-BB7C-4B477B73B815}" destId="{74B4E996-D144-43FA-9C7B-5183D295C315}" srcOrd="4" destOrd="0" presId="urn:microsoft.com/office/officeart/2005/8/layout/vList5"/>
-    <dgm:cxn modelId="{CC23B1CA-2592-479D-988C-BB870D7E9EC9}" type="presParOf" srcId="{74B4E996-D144-43FA-9C7B-5183D295C315}" destId="{1C763A21-352A-41D1-A2E2-E305DABA275D}" srcOrd="0" destOrd="0" presId="urn:microsoft.com/office/officeart/2005/8/layout/vList5"/>
-    <dgm:cxn modelId="{477107E6-023C-4B3F-96EF-D2D5DA516C5C}" type="presParOf" srcId="{74B4E996-D144-43FA-9C7B-5183D295C315}" destId="{A66EBD3D-E7C5-421C-B8B5-728648057DDC}" srcOrd="1" destOrd="0" presId="urn:microsoft.com/office/officeart/2005/8/layout/vList5"/>
-    <dgm:cxn modelId="{933347A6-BCAF-495A-96A7-208A97A1751A}" type="presParOf" srcId="{99FD7F24-5BB9-46E8-BB7C-4B477B73B815}" destId="{4D3735EA-64D5-44A4-9D60-787BDDA83D1A}" srcOrd="5" destOrd="0" presId="urn:microsoft.com/office/officeart/2005/8/layout/vList5"/>
-    <dgm:cxn modelId="{677D4939-AE22-4645-A75D-BD07DA38E78F}" type="presParOf" srcId="{99FD7F24-5BB9-46E8-BB7C-4B477B73B815}" destId="{120DCED0-01FF-429D-8B4B-923E0875F75E}" srcOrd="6" destOrd="0" presId="urn:microsoft.com/office/officeart/2005/8/layout/vList5"/>
-    <dgm:cxn modelId="{AF6385C2-1319-4602-9D19-9A89E6EBF57F}" type="presParOf" srcId="{120DCED0-01FF-429D-8B4B-923E0875F75E}" destId="{B9324B26-5FF5-4FF7-9073-66103CBE8481}" srcOrd="0" destOrd="0" presId="urn:microsoft.com/office/officeart/2005/8/layout/vList5"/>
-    <dgm:cxn modelId="{16466152-551A-417E-9EB3-4C0FC3867902}" type="presParOf" srcId="{120DCED0-01FF-429D-8B4B-923E0875F75E}" destId="{95E0557D-F0A1-4F38-8083-55DE7503164F}" srcOrd="1" destOrd="0" presId="urn:microsoft.com/office/officeart/2005/8/layout/vList5"/>
+    <dgm:cxn modelId="{C78EA4EE-EEF4-4136-9F8F-F1803D56D96A}" type="presOf" srcId="{A7F7584C-6CC5-40A2-9566-2842A5DEA97A}" destId="{8A3FE5E4-2689-4041-B2C5-C63BC276A3EF}" srcOrd="0" destOrd="0" presId="urn:microsoft.com/office/officeart/2005/8/layout/vList5"/>
+    <dgm:cxn modelId="{C6F158F2-6D33-409C-B3F4-702363AE5CBC}" type="presOf" srcId="{E40970FA-9468-4353-8343-FE5E2BEBB8B0}" destId="{6FB9694A-6C63-4B23-90F6-4F208C00D399}" srcOrd="0" destOrd="0" presId="urn:microsoft.com/office/officeart/2005/8/layout/vList5"/>
+    <dgm:cxn modelId="{2222C8FD-4335-45B3-9C6B-8D293083FE22}" type="presOf" srcId="{51A6936C-668E-4912-B1B4-BA2D45D3F624}" destId="{1C763A21-352A-41D1-A2E2-E305DABA275D}" srcOrd="0" destOrd="0" presId="urn:microsoft.com/office/officeart/2005/8/layout/vList5"/>
+    <dgm:cxn modelId="{51C984CC-EF1E-4349-87CA-6709F54D3A96}" type="presParOf" srcId="{99FD7F24-5BB9-46E8-BB7C-4B477B73B815}" destId="{BBAB8945-0B00-4547-92CF-AE59FDD0EF39}" srcOrd="0" destOrd="0" presId="urn:microsoft.com/office/officeart/2005/8/layout/vList5"/>
+    <dgm:cxn modelId="{3D21807B-1446-4604-AD52-69B7A0A84E05}" type="presParOf" srcId="{BBAB8945-0B00-4547-92CF-AE59FDD0EF39}" destId="{3230722F-B757-4673-BD2F-9D4BAB5CEE8D}" srcOrd="0" destOrd="0" presId="urn:microsoft.com/office/officeart/2005/8/layout/vList5"/>
+    <dgm:cxn modelId="{B268D977-05FD-48BB-B2CC-DE47B941DED1}" type="presParOf" srcId="{BBAB8945-0B00-4547-92CF-AE59FDD0EF39}" destId="{6FB9694A-6C63-4B23-90F6-4F208C00D399}" srcOrd="1" destOrd="0" presId="urn:microsoft.com/office/officeart/2005/8/layout/vList5"/>
+    <dgm:cxn modelId="{8202802B-E5DF-42F4-AA0A-B216130DEE3E}" type="presParOf" srcId="{99FD7F24-5BB9-46E8-BB7C-4B477B73B815}" destId="{3E4AEBB9-D07D-412D-A9F3-5F50CE85FF20}" srcOrd="1" destOrd="0" presId="urn:microsoft.com/office/officeart/2005/8/layout/vList5"/>
+    <dgm:cxn modelId="{962ACAC2-CD6D-4868-A397-0F7A577023C0}" type="presParOf" srcId="{99FD7F24-5BB9-46E8-BB7C-4B477B73B815}" destId="{C60E4332-AB2E-4201-AF29-E3D9D2CE99DD}" srcOrd="2" destOrd="0" presId="urn:microsoft.com/office/officeart/2005/8/layout/vList5"/>
+    <dgm:cxn modelId="{0BFE8881-EEFA-4010-A33F-54A8AC7418B0}" type="presParOf" srcId="{C60E4332-AB2E-4201-AF29-E3D9D2CE99DD}" destId="{8A3FE5E4-2689-4041-B2C5-C63BC276A3EF}" srcOrd="0" destOrd="0" presId="urn:microsoft.com/office/officeart/2005/8/layout/vList5"/>
+    <dgm:cxn modelId="{4D8937FF-4078-4E16-8D4E-9E26C5C40D3C}" type="presParOf" srcId="{C60E4332-AB2E-4201-AF29-E3D9D2CE99DD}" destId="{329ECF1A-78BE-41CB-B252-8011825B67CD}" srcOrd="1" destOrd="0" presId="urn:microsoft.com/office/officeart/2005/8/layout/vList5"/>
+    <dgm:cxn modelId="{E9A4FF62-48D8-4D81-9564-B496E921379A}" type="presParOf" srcId="{99FD7F24-5BB9-46E8-BB7C-4B477B73B815}" destId="{CF97419B-1653-4404-8A25-A4EB2811914A}" srcOrd="3" destOrd="0" presId="urn:microsoft.com/office/officeart/2005/8/layout/vList5"/>
+    <dgm:cxn modelId="{1FA2D471-9B70-4625-B9C9-6C5767F78B00}" type="presParOf" srcId="{99FD7F24-5BB9-46E8-BB7C-4B477B73B815}" destId="{74B4E996-D144-43FA-9C7B-5183D295C315}" srcOrd="4" destOrd="0" presId="urn:microsoft.com/office/officeart/2005/8/layout/vList5"/>
+    <dgm:cxn modelId="{9437EAE8-AD3E-4953-811A-2AF6FB8A88DF}" type="presParOf" srcId="{74B4E996-D144-43FA-9C7B-5183D295C315}" destId="{1C763A21-352A-41D1-A2E2-E305DABA275D}" srcOrd="0" destOrd="0" presId="urn:microsoft.com/office/officeart/2005/8/layout/vList5"/>
+    <dgm:cxn modelId="{F3E0816F-1BB1-4D11-B977-459DDCF07246}" type="presParOf" srcId="{74B4E996-D144-43FA-9C7B-5183D295C315}" destId="{A66EBD3D-E7C5-421C-B8B5-728648057DDC}" srcOrd="1" destOrd="0" presId="urn:microsoft.com/office/officeart/2005/8/layout/vList5"/>
+    <dgm:cxn modelId="{06037E08-D62E-4573-B135-EF454F68EB58}" type="presParOf" srcId="{99FD7F24-5BB9-46E8-BB7C-4B477B73B815}" destId="{4D3735EA-64D5-44A4-9D60-787BDDA83D1A}" srcOrd="5" destOrd="0" presId="urn:microsoft.com/office/officeart/2005/8/layout/vList5"/>
+    <dgm:cxn modelId="{C5755596-5968-4DF4-85E1-80F54FBDDA63}" type="presParOf" srcId="{99FD7F24-5BB9-46E8-BB7C-4B477B73B815}" destId="{120DCED0-01FF-429D-8B4B-923E0875F75E}" srcOrd="6" destOrd="0" presId="urn:microsoft.com/office/officeart/2005/8/layout/vList5"/>
+    <dgm:cxn modelId="{7C96174D-673A-4363-ADED-ED250B2CDEF5}" type="presParOf" srcId="{120DCED0-01FF-429D-8B4B-923E0875F75E}" destId="{B9324B26-5FF5-4FF7-9073-66103CBE8481}" srcOrd="0" destOrd="0" presId="urn:microsoft.com/office/officeart/2005/8/layout/vList5"/>
+    <dgm:cxn modelId="{DC9D01F2-7C2E-462F-B91B-82ED37537D65}" type="presParOf" srcId="{120DCED0-01FF-429D-8B4B-923E0875F75E}" destId="{95E0557D-F0A1-4F38-8083-55DE7503164F}" srcOrd="1" destOrd="0" presId="urn:microsoft.com/office/officeart/2005/8/layout/vList5"/>
   </dgm:cxnLst>
   <dgm:bg/>
   <dgm:whole/>
@@ -2157,9 +2166,9 @@
           <a:pPr rtl="0"/>
           <a:r>
             <a:rPr lang="pt-BR" dirty="0">
-              <a:latin typeface="Tahoma" panose="020B0604030504040204" pitchFamily="34" charset="0"/>
-              <a:ea typeface="Tahoma" panose="020B0604030504040204" pitchFamily="34" charset="0"/>
-              <a:cs typeface="Tahoma" panose="020B0604030504040204" pitchFamily="34" charset="0"/>
+              <a:latin typeface="Tahoma"/>
+              <a:ea typeface="Tahoma"/>
+              <a:cs typeface="Tahoma"/>
             </a:rPr>
             <a:t>Materiais utilizados</a:t>
           </a:r>
@@ -2207,17 +2216,17 @@
             <a:buChar char=""/>
           </a:pPr>
           <a:r>
-            <a:rPr lang="pt-BR" b="0" i="0">
-              <a:latin typeface="Tahoma" panose="020B0604030504040204" pitchFamily="34" charset="0"/>
-              <a:ea typeface="Tahoma" panose="020B0604030504040204" pitchFamily="34" charset="0"/>
-              <a:cs typeface="Tahoma" panose="020B0604030504040204" pitchFamily="34" charset="0"/>
+            <a:rPr lang="pt-BR" b="0" i="0" dirty="0">
+              <a:latin typeface="Tahoma"/>
+              <a:ea typeface="Tahoma"/>
+              <a:cs typeface="Tahoma"/>
             </a:rPr>
             <a:t>1sensores de corrente não invasivos 100 A</a:t>
           </a:r>
           <a:endParaRPr lang="pt-br" dirty="0">
-            <a:latin typeface="Tahoma" panose="020B0604030504040204" pitchFamily="34" charset="0"/>
-            <a:ea typeface="Tahoma" panose="020B0604030504040204" pitchFamily="34" charset="0"/>
-            <a:cs typeface="Tahoma" panose="020B0604030504040204" pitchFamily="34" charset="0"/>
+            <a:latin typeface="Tahoma"/>
+            <a:ea typeface="Tahoma"/>
+            <a:cs typeface="Tahoma"/>
           </a:endParaRPr>
         </a:p>
       </dgm:t>
@@ -2307,17 +2316,31 @@
           </a:pPr>
           <a:r>
             <a:rPr lang="pt-BR" sz="2000" dirty="0">
-              <a:latin typeface="Tahoma" panose="020B0604030504040204" pitchFamily="34" charset="0"/>
-              <a:ea typeface="Tahoma" panose="020B0604030504040204" pitchFamily="34" charset="0"/>
-              <a:cs typeface="Tahoma" panose="020B0604030504040204" pitchFamily="34" charset="0"/>
+              <a:latin typeface="Tahoma"/>
+              <a:ea typeface="Tahoma"/>
+              <a:cs typeface="Tahoma"/>
             </a:rPr>
             <a:t>IDE do Arduino</a:t>
           </a:r>
-          <a:endParaRPr lang="pt-br" sz="2000" dirty="0">
-            <a:latin typeface="Tahoma" panose="020B0604030504040204" pitchFamily="34" charset="0"/>
-            <a:ea typeface="Tahoma" panose="020B0604030504040204" pitchFamily="34" charset="0"/>
-            <a:cs typeface="Tahoma" panose="020B0604030504040204" pitchFamily="34" charset="0"/>
-          </a:endParaRPr>
+          <a:r>
+            <a:rPr lang="pt-br" sz="2000" dirty="0">
+              <a:latin typeface="Tahoma"/>
+              <a:ea typeface="Tahoma"/>
+              <a:cs typeface="Tahoma"/>
+            </a:rPr>
+            <a:t> (</a:t>
+          </a:r>
+          <a:r>
+            <a:rPr lang="pt-br" sz="2000" dirty="0"/>
+            <a:t>POO</a:t>
+          </a:r>
+          <a:r>
+            <a:rPr lang="pt-br" sz="2000" dirty="0">
+              <a:latin typeface="Tw Cen MT" panose="020B0602020104020603"/>
+            </a:rPr>
+            <a:t>)</a:t>
+          </a:r>
+          <a:endParaRPr lang="pt-br" sz="2000" dirty="0"/>
         </a:p>
       </dgm:t>
     </dgm:pt>
@@ -2355,11 +2378,11 @@
           <a:pPr rtl="0"/>
           <a:r>
             <a:rPr lang="pt-br" dirty="0">
-              <a:latin typeface="Tahoma" panose="020B0604030504040204" pitchFamily="34" charset="0"/>
-              <a:ea typeface="Tahoma" panose="020B0604030504040204" pitchFamily="34" charset="0"/>
-              <a:cs typeface="Tahoma" panose="020B0604030504040204" pitchFamily="34" charset="0"/>
+              <a:latin typeface="Tahoma"/>
+              <a:ea typeface="Tahoma"/>
+              <a:cs typeface="Tahoma"/>
             </a:rPr>
-            <a:t>Solução 3</a:t>
+            <a:t>Aplicações </a:t>
           </a:r>
         </a:p>
       </dgm:t>
@@ -2400,12 +2423,12 @@
             <a:buChar char=""/>
           </a:pPr>
           <a:r>
-            <a:rPr lang="pt-br">
-              <a:latin typeface="Tahoma" panose="020B0604030504040204" pitchFamily="34" charset="0"/>
-              <a:ea typeface="Tahoma" panose="020B0604030504040204" pitchFamily="34" charset="0"/>
-              <a:cs typeface="Tahoma" panose="020B0604030504040204" pitchFamily="34" charset="0"/>
+            <a:rPr lang="pt-br" dirty="0">
+              <a:latin typeface="Tahoma"/>
+              <a:ea typeface="Tahoma"/>
+              <a:cs typeface="Tahoma"/>
             </a:rPr>
-            <a:t>Quais materiais são necessário nesta solução?</a:t>
+            <a:t>Qt Creator</a:t>
           </a:r>
         </a:p>
       </dgm:t>
@@ -2435,7 +2458,7 @@
       </dgm:t>
     </dgm:pt>
     <dgm:pt modelId="{4EA3F7C2-8BCE-45BE-A919-CBBB33285BD0}">
-      <dgm:prSet phldrT="[Text]"/>
+      <dgm:prSet phldrT="[Text]" phldr="0"/>
       <dgm:spPr/>
       <dgm:t>
         <a:bodyPr rtlCol="0"/>
@@ -2446,12 +2469,12 @@
             <a:buChar char=""/>
           </a:pPr>
           <a:r>
-            <a:rPr lang="pt-br">
-              <a:latin typeface="Tahoma" panose="020B0604030504040204" pitchFamily="34" charset="0"/>
-              <a:ea typeface="Tahoma" panose="020B0604030504040204" pitchFamily="34" charset="0"/>
-              <a:cs typeface="Tahoma" panose="020B0604030504040204" pitchFamily="34" charset="0"/>
+            <a:rPr lang="pt-br" dirty="0">
+              <a:latin typeface="Tahoma"/>
+              <a:ea typeface="Tahoma"/>
+              <a:cs typeface="Tahoma"/>
             </a:rPr>
-            <a:t>Como seria a aparência desta solução (desenho, imagens, texto)?</a:t>
+            <a:t>Site na Web</a:t>
           </a:r>
         </a:p>
       </dgm:t>
@@ -2491,14 +2514,11 @@
             <a:buFont typeface="Wingdings" panose="05000000000000000000" pitchFamily="2" charset="2"/>
             <a:buChar char=""/>
           </a:pPr>
-          <a:r>
-            <a:rPr lang="pt-br">
-              <a:latin typeface="Tahoma" panose="020B0604030504040204" pitchFamily="34" charset="0"/>
-              <a:ea typeface="Tahoma" panose="020B0604030504040204" pitchFamily="34" charset="0"/>
-              <a:cs typeface="Tahoma" panose="020B0604030504040204" pitchFamily="34" charset="0"/>
-            </a:rPr>
-            <a:t>Quais são algumas barreiras que você pode enfrentar com esta solução?</a:t>
-          </a:r>
+          <a:endParaRPr lang="pt-br" dirty="0">
+            <a:latin typeface="Tahoma"/>
+            <a:ea typeface="Tahoma"/>
+            <a:cs typeface="Tahoma"/>
+          </a:endParaRPr>
         </a:p>
       </dgm:t>
     </dgm:pt>
@@ -2538,18 +2558,13 @@
             <a:buChar char=""/>
           </a:pPr>
           <a:r>
-            <a:rPr lang="pt-BR" b="0" i="0">
-              <a:latin typeface="Tahoma" panose="020B0604030504040204" pitchFamily="34" charset="0"/>
-              <a:ea typeface="Tahoma" panose="020B0604030504040204" pitchFamily="34" charset="0"/>
-              <a:cs typeface="Tahoma" panose="020B0604030504040204" pitchFamily="34" charset="0"/>
+            <a:rPr lang="pt-BR" b="0" i="0" dirty="0">
+              <a:latin typeface="Tahoma"/>
+              <a:ea typeface="Tahoma"/>
+              <a:cs typeface="Tahoma"/>
             </a:rPr>
             <a:t>3 LEDs</a:t>
           </a:r>
-          <a:endParaRPr lang="pt-BR" b="0" i="0" dirty="0">
-            <a:latin typeface="Tahoma" panose="020B0604030504040204" pitchFamily="34" charset="0"/>
-            <a:ea typeface="Tahoma" panose="020B0604030504040204" pitchFamily="34" charset="0"/>
-            <a:cs typeface="Tahoma" panose="020B0604030504040204" pitchFamily="34" charset="0"/>
-          </a:endParaRPr>
         </a:p>
       </dgm:t>
     </dgm:pt>
@@ -2587,18 +2602,13 @@
             <a:buChar char=""/>
           </a:pPr>
           <a:r>
-            <a:rPr lang="pt-BR" b="0" i="0">
-              <a:latin typeface="Tahoma" panose="020B0604030504040204" pitchFamily="34" charset="0"/>
-              <a:ea typeface="Tahoma" panose="020B0604030504040204" pitchFamily="34" charset="0"/>
-              <a:cs typeface="Tahoma" panose="020B0604030504040204" pitchFamily="34" charset="0"/>
+            <a:rPr lang="pt-BR" b="0" i="0" dirty="0">
+              <a:latin typeface="Tahoma"/>
+              <a:ea typeface="Tahoma"/>
+              <a:cs typeface="Tahoma"/>
             </a:rPr>
             <a:t>4 Resistores de 10 k</a:t>
           </a:r>
-          <a:endParaRPr lang="pt-BR" b="0" i="0" dirty="0">
-            <a:latin typeface="Tahoma" panose="020B0604030504040204" pitchFamily="34" charset="0"/>
-            <a:ea typeface="Tahoma" panose="020B0604030504040204" pitchFamily="34" charset="0"/>
-            <a:cs typeface="Tahoma" panose="020B0604030504040204" pitchFamily="34" charset="0"/>
-          </a:endParaRPr>
         </a:p>
       </dgm:t>
     </dgm:pt>
@@ -2636,18 +2646,13 @@
             <a:buChar char=""/>
           </a:pPr>
           <a:r>
-            <a:rPr lang="pt-BR" b="0" i="0">
-              <a:latin typeface="Tahoma" panose="020B0604030504040204" pitchFamily="34" charset="0"/>
-              <a:ea typeface="Tahoma" panose="020B0604030504040204" pitchFamily="34" charset="0"/>
-              <a:cs typeface="Tahoma" panose="020B0604030504040204" pitchFamily="34" charset="0"/>
+            <a:rPr lang="pt-BR" b="0" i="0" dirty="0">
+              <a:latin typeface="Tahoma"/>
+              <a:ea typeface="Tahoma"/>
+              <a:cs typeface="Tahoma"/>
             </a:rPr>
             <a:t>1 Resistores de 330 ohms</a:t>
           </a:r>
-          <a:endParaRPr lang="pt-BR" b="0" i="0" dirty="0">
-            <a:latin typeface="Tahoma" panose="020B0604030504040204" pitchFamily="34" charset="0"/>
-            <a:ea typeface="Tahoma" panose="020B0604030504040204" pitchFamily="34" charset="0"/>
-            <a:cs typeface="Tahoma" panose="020B0604030504040204" pitchFamily="34" charset="0"/>
-          </a:endParaRPr>
         </a:p>
       </dgm:t>
     </dgm:pt>
@@ -2685,18 +2690,13 @@
             <a:buChar char=""/>
           </a:pPr>
           <a:r>
-            <a:rPr lang="pt-BR" b="0" i="0">
-              <a:latin typeface="Tahoma" panose="020B0604030504040204" pitchFamily="34" charset="0"/>
-              <a:ea typeface="Tahoma" panose="020B0604030504040204" pitchFamily="34" charset="0"/>
-              <a:cs typeface="Tahoma" panose="020B0604030504040204" pitchFamily="34" charset="0"/>
+            <a:rPr lang="pt-BR" b="0" i="0" dirty="0">
+              <a:latin typeface="Tahoma"/>
+              <a:ea typeface="Tahoma"/>
+              <a:cs typeface="Tahoma"/>
             </a:rPr>
             <a:t>1 protoboard</a:t>
           </a:r>
-          <a:endParaRPr lang="pt-BR" b="0" i="0" dirty="0">
-            <a:latin typeface="Tahoma" panose="020B0604030504040204" pitchFamily="34" charset="0"/>
-            <a:ea typeface="Tahoma" panose="020B0604030504040204" pitchFamily="34" charset="0"/>
-            <a:cs typeface="Tahoma" panose="020B0604030504040204" pitchFamily="34" charset="0"/>
-          </a:endParaRPr>
         </a:p>
       </dgm:t>
     </dgm:pt>
@@ -2823,24 +2823,24 @@
           </a:pPr>
           <a:r>
             <a:rPr lang="pt-BR" sz="2000" dirty="0">
-              <a:latin typeface="Tahoma" panose="020B0604030504040204" pitchFamily="34" charset="0"/>
-              <a:ea typeface="Tahoma" panose="020B0604030504040204" pitchFamily="34" charset="0"/>
-              <a:cs typeface="Tahoma" panose="020B0604030504040204" pitchFamily="34" charset="0"/>
+              <a:latin typeface="Tahoma"/>
+              <a:ea typeface="Tahoma"/>
+              <a:cs typeface="Tahoma"/>
             </a:rPr>
             <a:t>Visual Studio </a:t>
           </a:r>
           <a:r>
             <a:rPr lang="pt-BR" sz="2000" dirty="0" err="1">
-              <a:latin typeface="Tahoma" panose="020B0604030504040204" pitchFamily="34" charset="0"/>
-              <a:ea typeface="Tahoma" panose="020B0604030504040204" pitchFamily="34" charset="0"/>
-              <a:cs typeface="Tahoma" panose="020B0604030504040204" pitchFamily="34" charset="0"/>
+              <a:latin typeface="Tahoma"/>
+              <a:ea typeface="Tahoma"/>
+              <a:cs typeface="Tahoma"/>
             </a:rPr>
             <a:t>code</a:t>
           </a:r>
           <a:endParaRPr lang="pt-br" sz="2000" dirty="0">
-            <a:latin typeface="Tahoma" panose="020B0604030504040204" pitchFamily="34" charset="0"/>
-            <a:ea typeface="Tahoma" panose="020B0604030504040204" pitchFamily="34" charset="0"/>
-            <a:cs typeface="Tahoma" panose="020B0604030504040204" pitchFamily="34" charset="0"/>
+            <a:latin typeface="Tahoma"/>
+            <a:ea typeface="Tahoma"/>
+            <a:cs typeface="Tahoma"/>
           </a:endParaRPr>
         </a:p>
       </dgm:t>
@@ -3056,20 +3056,20 @@
       <dgm:spPr/>
     </dgm:pt>
     <dgm:pt modelId="{907620F0-6591-42DC-B110-0C06FC633BAA}">
-      <dgm:prSet phldrT="[Text]" custT="1"/>
+      <dgm:prSet phldrT="[Text]" phldr="0" custT="1"/>
       <dgm:spPr/>
       <dgm:t>
         <a:bodyPr rtlCol="0"/>
         <a:lstStyle/>
         <a:p>
-          <a:pPr rtl="0">
+          <a:pPr>
             <a:buFont typeface="Wingdings" panose="05000000000000000000" pitchFamily="2" charset="2"/>
             <a:buNone/>
           </a:pPr>
           <a:endParaRPr lang="pt-br" sz="2000" dirty="0">
-            <a:latin typeface="Tahoma" panose="020B0604030504040204" pitchFamily="34" charset="0"/>
-            <a:ea typeface="Tahoma" panose="020B0604030504040204" pitchFamily="34" charset="0"/>
-            <a:cs typeface="Tahoma" panose="020B0604030504040204" pitchFamily="34" charset="0"/>
+            <a:latin typeface="Tahoma"/>
+            <a:ea typeface="Tahoma"/>
+            <a:cs typeface="Tahoma"/>
           </a:endParaRPr>
         </a:p>
       </dgm:t>
@@ -3079,6 +3079,30 @@
       <dgm:spPr/>
     </dgm:pt>
     <dgm:pt modelId="{BC5DEE95-ED7A-44CA-8F9B-E32857CFD266}" type="sibTrans" cxnId="{700007B5-4C3A-461C-87A2-AB6895C29CE1}">
+      <dgm:prSet/>
+      <dgm:spPr/>
+    </dgm:pt>
+    <dgm:pt modelId="{91BE2F92-C43F-477C-B600-548931D838A3}">
+      <dgm:prSet phldr="0"/>
+      <dgm:spPr/>
+      <dgm:t>
+        <a:bodyPr/>
+        <a:lstStyle/>
+        <a:p>
+          <a:pPr rtl="0"/>
+          <a:endParaRPr lang="pt-br" dirty="0">
+            <a:latin typeface="Tahoma" panose="020B0604030504040204" pitchFamily="34" charset="0"/>
+            <a:ea typeface="Tahoma" panose="020B0604030504040204" pitchFamily="34" charset="0"/>
+            <a:cs typeface="Tahoma" panose="020B0604030504040204" pitchFamily="34" charset="0"/>
+          </a:endParaRPr>
+        </a:p>
+      </dgm:t>
+    </dgm:pt>
+    <dgm:pt modelId="{93B20B2A-0936-447B-A170-43B4798D70E0}" type="parTrans" cxnId="{F9F18F70-8A2E-41D4-87F5-D9E974B4BE9A}">
+      <dgm:prSet/>
+      <dgm:spPr/>
+    </dgm:pt>
+    <dgm:pt modelId="{610F4F7B-BCD0-42DE-80E3-CFF1AD907F4E}" type="sibTrans" cxnId="{F9F18F70-8A2E-41D4-87F5-D9E974B4BE9A}">
       <dgm:prSet/>
       <dgm:spPr/>
     </dgm:pt>
@@ -3170,60 +3194,62 @@
   <dgm:cxnLst>
     <dgm:cxn modelId="{B12F0503-977A-4B5D-8CB7-420B041FF863}" srcId="{CF9FC193-7A05-4631-B681-B56EAB543D38}" destId="{6857B86A-DEC1-407C-A1BB-5BF9ACCBCA6A}" srcOrd="0" destOrd="0" parTransId="{8CA7BF9B-8199-4683-AD57-CB0086659013}" sibTransId="{F087F24E-A7D7-4DCE-B2A7-9B941289621A}"/>
     <dgm:cxn modelId="{D6BD430B-7CED-4146-90DC-E1BB6B0C750F}" srcId="{ABA77F75-8642-4931-8D7E-BE6C6DB9940D}" destId="{73EDA8E0-C39E-4A18-90DA-DA8E58F77B50}" srcOrd="2" destOrd="0" parTransId="{2DAFCC64-8391-4DE1-8D7E-B5FF33B52357}" sibTransId="{24FF7339-100C-4979-B00E-C40DBE0BB7D4}"/>
-    <dgm:cxn modelId="{4917040D-8E8C-4A08-BEC2-88C40D77E7C2}" type="presOf" srcId="{0B62F46A-F2FD-4448-AD35-29F7ED625619}" destId="{E4FD5043-5612-43C5-B6AE-CCD431549399}" srcOrd="0" destOrd="7" presId="urn:microsoft.com/office/officeart/2005/8/layout/hList1"/>
-    <dgm:cxn modelId="{B0B0180D-5540-42DB-A64A-C544D627C837}" type="presOf" srcId="{6361CB14-60E1-4F83-9997-EFB9844B5A05}" destId="{17CA1487-CDD9-4364-92F6-A11DBDAFE16C}" srcOrd="0" destOrd="5" presId="urn:microsoft.com/office/officeart/2005/8/layout/hList1"/>
+    <dgm:cxn modelId="{D89AC60C-EC2E-4D51-B8E8-B239DD5F7717}" type="presOf" srcId="{91BE2F92-C43F-477C-B600-548931D838A3}" destId="{E4FD5043-5612-43C5-B6AE-CCD431549399}" srcOrd="0" destOrd="9" presId="urn:microsoft.com/office/officeart/2005/8/layout/hList1"/>
+    <dgm:cxn modelId="{9F31F613-90E5-4335-B225-B04C6556FFA8}" type="presOf" srcId="{4A17793B-8B52-4FD5-8450-D6B0D3D3FC3F}" destId="{E4FD5043-5612-43C5-B6AE-CCD431549399}" srcOrd="0" destOrd="3" presId="urn:microsoft.com/office/officeart/2005/8/layout/hList1"/>
     <dgm:cxn modelId="{11912822-3D27-454B-BC22-E0A040452C8C}" srcId="{ABA77F75-8642-4931-8D7E-BE6C6DB9940D}" destId="{1C51937D-1A3E-4BCA-8CE1-CC3C6511BD03}" srcOrd="1" destOrd="0" parTransId="{43BC35ED-5AF2-4B83-8EEA-C83F2BA7C126}" sibTransId="{DF7C36DE-AB57-44B9-BF13-C8061A0C5D4A}"/>
-    <dgm:cxn modelId="{1130372A-9C49-45DE-BC00-4FA632DE6102}" type="presOf" srcId="{7F911386-BF72-4BD7-9315-1026F4EEAE95}" destId="{17CA1487-CDD9-4364-92F6-A11DBDAFE16C}" srcOrd="0" destOrd="4" presId="urn:microsoft.com/office/officeart/2005/8/layout/hList1"/>
     <dgm:cxn modelId="{83F93A2B-65E2-4E8F-A0BF-6D7DD7FD68B7}" srcId="{ABA77F75-8642-4931-8D7E-BE6C6DB9940D}" destId="{13025E5D-0295-482F-AADD-958BA4F93717}" srcOrd="8" destOrd="0" parTransId="{F8B24983-2A28-4723-8219-86FA03B1573F}" sibTransId="{03E1DF5F-1C65-4D97-AEBB-CC3C54B4651D}"/>
-    <dgm:cxn modelId="{9051622D-8DAB-46D5-BFA3-0963A4053BBF}" type="presOf" srcId="{4A17793B-8B52-4FD5-8450-D6B0D3D3FC3F}" destId="{E4FD5043-5612-43C5-B6AE-CCD431549399}" srcOrd="0" destOrd="3" presId="urn:microsoft.com/office/officeart/2005/8/layout/hList1"/>
     <dgm:cxn modelId="{C718A22D-118E-4D23-9643-9F4945AFCC06}" srcId="{6857B86A-DEC1-407C-A1BB-5BF9ACCBCA6A}" destId="{E255124C-297E-4CA7-9194-01CF609F17A4}" srcOrd="6" destOrd="0" parTransId="{71E0ADF3-5228-4286-A5E9-EEBCB0C5C2A0}" sibTransId="{0AA1AEA0-7179-45FC-B0AA-ED95371AB594}"/>
-    <dgm:cxn modelId="{5A15035B-3A64-439A-A4B1-320DF666D47D}" type="presOf" srcId="{1C51937D-1A3E-4BCA-8CE1-CC3C6511BD03}" destId="{E4FD5043-5612-43C5-B6AE-CCD431549399}" srcOrd="0" destOrd="1" presId="urn:microsoft.com/office/officeart/2005/8/layout/hList1"/>
+    <dgm:cxn modelId="{7EF7A52D-1474-4D71-B362-82258A2BDE8D}" type="presOf" srcId="{907620F0-6591-42DC-B110-0C06FC633BAA}" destId="{E4FD5043-5612-43C5-B6AE-CCD431549399}" srcOrd="0" destOrd="5" presId="urn:microsoft.com/office/officeart/2005/8/layout/hList1"/>
     <dgm:cxn modelId="{964CA55E-F4CD-425E-A632-54AF601ACDCA}" srcId="{ABA77F75-8642-4931-8D7E-BE6C6DB9940D}" destId="{779F62A4-326E-4498-9156-493EBEBF5BAD}" srcOrd="6" destOrd="0" parTransId="{E65413D2-DA29-4EBA-A10B-2E77514B37E2}" sibTransId="{EC3210A7-27E4-44E2-B826-05775E18C5CC}"/>
-    <dgm:cxn modelId="{14A8155F-C828-4FA0-8455-3ACC67AA9FBA}" type="presOf" srcId="{907620F0-6591-42DC-B110-0C06FC633BAA}" destId="{E4FD5043-5612-43C5-B6AE-CCD431549399}" srcOrd="0" destOrd="5" presId="urn:microsoft.com/office/officeart/2005/8/layout/hList1"/>
     <dgm:cxn modelId="{CA949A5F-9945-4C59-A233-D70AFFF70BDA}" srcId="{DA5DFAD8-E443-4F53-9341-A0903BBBD378}" destId="{6EE89B4E-BAED-4A90-B29D-70AF11256801}" srcOrd="0" destOrd="0" parTransId="{39BF20C7-31E5-452B-8EA2-17224A13C7FB}" sibTransId="{E71503C3-CFB7-4144-AD9F-7A42A87A3A6B}"/>
-    <dgm:cxn modelId="{8FD0E141-0E09-4019-B2B6-8AB8580B7BC5}" type="presOf" srcId="{D40ECD7B-B9F5-4A22-85EA-6692097A4AD5}" destId="{17CA1487-CDD9-4364-92F6-A11DBDAFE16C}" srcOrd="0" destOrd="2" presId="urn:microsoft.com/office/officeart/2005/8/layout/hList1"/>
+    <dgm:cxn modelId="{F95C0642-FB8F-451C-AFD2-4D6394B06F6B}" type="presOf" srcId="{DA5DFAD8-E443-4F53-9341-A0903BBBD378}" destId="{23D06E36-F688-4B37-8BB8-73015E665B0E}" srcOrd="0" destOrd="0" presId="urn:microsoft.com/office/officeart/2005/8/layout/hList1"/>
+    <dgm:cxn modelId="{6BFC1F63-0DAB-4DA4-ABF5-70D5011E4651}" type="presOf" srcId="{B74B6219-2D33-479A-85A7-4912AC924463}" destId="{17CA1487-CDD9-4364-92F6-A11DBDAFE16C}" srcOrd="0" destOrd="1" presId="urn:microsoft.com/office/officeart/2005/8/layout/hList1"/>
+    <dgm:cxn modelId="{439D2F63-BBA6-45F4-AE9A-DCF17C113AAD}" type="presOf" srcId="{E255124C-297E-4CA7-9194-01CF609F17A4}" destId="{17CA1487-CDD9-4364-92F6-A11DBDAFE16C}" srcOrd="0" destOrd="6" presId="urn:microsoft.com/office/officeart/2005/8/layout/hList1"/>
+    <dgm:cxn modelId="{621F1C65-0C48-4768-A7E4-55B759EBFBC7}" type="presOf" srcId="{611C3B18-07F8-4A66-9682-97E24AEF6014}" destId="{E4FD5043-5612-43C5-B6AE-CCD431549399}" srcOrd="0" destOrd="0" presId="urn:microsoft.com/office/officeart/2005/8/layout/hList1"/>
+    <dgm:cxn modelId="{BF0DF365-4AC8-4EBA-923E-284A0E060687}" type="presOf" srcId="{7F911386-BF72-4BD7-9315-1026F4EEAE95}" destId="{17CA1487-CDD9-4364-92F6-A11DBDAFE16C}" srcOrd="0" destOrd="4" presId="urn:microsoft.com/office/officeart/2005/8/layout/hList1"/>
     <dgm:cxn modelId="{BB34BD69-3E79-419F-895B-425135616D22}" srcId="{ABA77F75-8642-4931-8D7E-BE6C6DB9940D}" destId="{365D6D53-7FA2-4555-A862-D51073BB4C90}" srcOrd="4" destOrd="0" parTransId="{89F0329B-24AF-4D83-B6F9-757EC2AC2920}" sibTransId="{D8C2FAA9-4480-4270-9E11-12E4FC15659D}"/>
     <dgm:cxn modelId="{D5D61B4C-1312-427C-BDCC-013237D8A488}" srcId="{ABA77F75-8642-4931-8D7E-BE6C6DB9940D}" destId="{611C3B18-07F8-4A66-9682-97E24AEF6014}" srcOrd="0" destOrd="0" parTransId="{5940BF2D-F08A-4150-9A86-173D9242DE8C}" sibTransId="{477660C6-2B6D-4FB8-B9A3-D555E2082C2A}"/>
+    <dgm:cxn modelId="{BBEBFD6C-4A5D-4E57-A186-6BBEB1FD26A4}" type="presOf" srcId="{0B62F46A-F2FD-4448-AD35-29F7ED625619}" destId="{E4FD5043-5612-43C5-B6AE-CCD431549399}" srcOrd="0" destOrd="7" presId="urn:microsoft.com/office/officeart/2005/8/layout/hList1"/>
+    <dgm:cxn modelId="{F9F18F70-8A2E-41D4-87F5-D9E974B4BE9A}" srcId="{ABA77F75-8642-4931-8D7E-BE6C6DB9940D}" destId="{91BE2F92-C43F-477C-B600-548931D838A3}" srcOrd="9" destOrd="0" parTransId="{93B20B2A-0936-447B-A170-43B4798D70E0}" sibTransId="{610F4F7B-BCD0-42DE-80E3-CFF1AD907F4E}"/>
+    <dgm:cxn modelId="{86650751-5FB9-4816-A6E9-8089C9B2ADFC}" type="presOf" srcId="{779F62A4-326E-4498-9156-493EBEBF5BAD}" destId="{E4FD5043-5612-43C5-B6AE-CCD431549399}" srcOrd="0" destOrd="6" presId="urn:microsoft.com/office/officeart/2005/8/layout/hList1"/>
     <dgm:cxn modelId="{496CC152-66F4-4FEB-99ED-C8BD1F8A40F9}" srcId="{DA5DFAD8-E443-4F53-9341-A0903BBBD378}" destId="{4EA3F7C2-8BCE-45BE-A919-CBBB33285BD0}" srcOrd="1" destOrd="0" parTransId="{E5A5DB8F-AE1A-4DCD-9400-C8317BA7D81B}" sibTransId="{BC932F0D-8B77-458E-AF60-BC2FDCBE0C75}"/>
+    <dgm:cxn modelId="{F634FA54-6D37-480D-B54E-90643F1D38BD}" type="presOf" srcId="{D40ECD7B-B9F5-4A22-85EA-6692097A4AD5}" destId="{17CA1487-CDD9-4364-92F6-A11DBDAFE16C}" srcOrd="0" destOrd="2" presId="urn:microsoft.com/office/officeart/2005/8/layout/hList1"/>
+    <dgm:cxn modelId="{F5AEC175-51D0-428D-8F09-E2119895654A}" type="presOf" srcId="{6361CB14-60E1-4F83-9997-EFB9844B5A05}" destId="{17CA1487-CDD9-4364-92F6-A11DBDAFE16C}" srcOrd="0" destOrd="5" presId="urn:microsoft.com/office/officeart/2005/8/layout/hList1"/>
     <dgm:cxn modelId="{41BA7376-E1B0-4024-8EEB-9396519AAC7C}" srcId="{ABA77F75-8642-4931-8D7E-BE6C6DB9940D}" destId="{4A17793B-8B52-4FD5-8450-D6B0D3D3FC3F}" srcOrd="3" destOrd="0" parTransId="{28E0A21E-767A-4D91-AB72-245D0DE78F5E}" sibTransId="{951BF18D-DCE6-4BBA-94E8-0B942810BB8F}"/>
     <dgm:cxn modelId="{BF33587C-E7C1-48CB-8A44-993CD96E54AD}" srcId="{6857B86A-DEC1-407C-A1BB-5BF9ACCBCA6A}" destId="{B74B6219-2D33-479A-85A7-4912AC924463}" srcOrd="1" destOrd="0" parTransId="{83148882-0F31-4454-ADF8-11946720DBF4}" sibTransId="{5DB14870-EB20-4B80-8B51-2ADB1699173F}"/>
-    <dgm:cxn modelId="{A1C8977F-9410-43CB-98CB-34EEA3A0F02D}" type="presOf" srcId="{4EA3F7C2-8BCE-45BE-A919-CBBB33285BD0}" destId="{EA81ED6A-A7EA-4137-A3DC-D16E79F1B938}" srcOrd="0" destOrd="1" presId="urn:microsoft.com/office/officeart/2005/8/layout/hList1"/>
+    <dgm:cxn modelId="{5B1D9D82-4DC8-412A-9C85-6256579ABB4F}" type="presOf" srcId="{ABA77F75-8642-4931-8D7E-BE6C6DB9940D}" destId="{055A5EAB-EAE0-4501-8649-31F112FF9AD5}" srcOrd="0" destOrd="0" presId="urn:microsoft.com/office/officeart/2005/8/layout/hList1"/>
     <dgm:cxn modelId="{0B9ECC82-7B60-43ED-B14A-6D51DD192F59}" srcId="{6857B86A-DEC1-407C-A1BB-5BF9ACCBCA6A}" destId="{D40ECD7B-B9F5-4A22-85EA-6692097A4AD5}" srcOrd="2" destOrd="0" parTransId="{ED739252-E7AB-4E71-876D-0CA8695CF5FE}" sibTransId="{8154FAC6-DF49-4EFE-AE4F-A87C3AB2D9AA}"/>
     <dgm:cxn modelId="{AAECF784-8F1D-4908-B93D-837F49AB8751}" type="presOf" srcId="{CF9FC193-7A05-4631-B681-B56EAB543D38}" destId="{DE3F77CF-6A8C-4783-A2CE-00E88C4199CB}" srcOrd="0" destOrd="0" presId="urn:microsoft.com/office/officeart/2005/8/layout/hList1"/>
-    <dgm:cxn modelId="{2A048A8A-D3E9-4D78-97F5-CDA37AB1D412}" type="presOf" srcId="{DA5DFAD8-E443-4F53-9341-A0903BBBD378}" destId="{23D06E36-F688-4B37-8BB8-73015E665B0E}" srcOrd="0" destOrd="0" presId="urn:microsoft.com/office/officeart/2005/8/layout/hList1"/>
-    <dgm:cxn modelId="{32349C8C-3BFC-402C-ADB2-8F5CF37BF969}" type="presOf" srcId="{B74B6219-2D33-479A-85A7-4912AC924463}" destId="{17CA1487-CDD9-4364-92F6-A11DBDAFE16C}" srcOrd="0" destOrd="1" presId="urn:microsoft.com/office/officeart/2005/8/layout/hList1"/>
-    <dgm:cxn modelId="{58612A9B-0A4C-4AA4-BBE7-5D71EF655F92}" type="presOf" srcId="{13025E5D-0295-482F-AADD-958BA4F93717}" destId="{E4FD5043-5612-43C5-B6AE-CCD431549399}" srcOrd="0" destOrd="8" presId="urn:microsoft.com/office/officeart/2005/8/layout/hList1"/>
-    <dgm:cxn modelId="{67899DA0-6A3C-4073-AD61-DA210686C203}" type="presOf" srcId="{73EDA8E0-C39E-4A18-90DA-DA8E58F77B50}" destId="{E4FD5043-5612-43C5-B6AE-CCD431549399}" srcOrd="0" destOrd="2" presId="urn:microsoft.com/office/officeart/2005/8/layout/hList1"/>
-    <dgm:cxn modelId="{4BF1EEA1-6E89-4F91-BAE8-11038685C515}" type="presOf" srcId="{4C8BFA56-3F75-4CAD-90A3-2F214D699322}" destId="{17CA1487-CDD9-4364-92F6-A11DBDAFE16C}" srcOrd="0" destOrd="0" presId="urn:microsoft.com/office/officeart/2005/8/layout/hList1"/>
+    <dgm:cxn modelId="{F35D3086-74C1-4E55-8BAE-50D9209D4A57}" type="presOf" srcId="{1C51937D-1A3E-4BCA-8CE1-CC3C6511BD03}" destId="{E4FD5043-5612-43C5-B6AE-CCD431549399}" srcOrd="0" destOrd="1" presId="urn:microsoft.com/office/officeart/2005/8/layout/hList1"/>
+    <dgm:cxn modelId="{0A491993-A9F5-4A64-8716-D7E3732D2B50}" type="presOf" srcId="{388D911F-5131-4B95-8FCA-44355C31A787}" destId="{EA81ED6A-A7EA-4137-A3DC-D16E79F1B938}" srcOrd="0" destOrd="2" presId="urn:microsoft.com/office/officeart/2005/8/layout/hList1"/>
+    <dgm:cxn modelId="{9206A497-3559-424B-8F8C-3268B18F0F1B}" type="presOf" srcId="{4C8BFA56-3F75-4CAD-90A3-2F214D699322}" destId="{17CA1487-CDD9-4364-92F6-A11DBDAFE16C}" srcOrd="0" destOrd="0" presId="urn:microsoft.com/office/officeart/2005/8/layout/hList1"/>
+    <dgm:cxn modelId="{97234D9E-FE4C-4A31-81E7-269A3B4C8DF5}" type="presOf" srcId="{365D6D53-7FA2-4555-A862-D51073BB4C90}" destId="{E4FD5043-5612-43C5-B6AE-CCD431549399}" srcOrd="0" destOrd="4" presId="urn:microsoft.com/office/officeart/2005/8/layout/hList1"/>
     <dgm:cxn modelId="{96C126A8-84DB-44B5-A834-A38DEA5C7B0D}" srcId="{6857B86A-DEC1-407C-A1BB-5BF9ACCBCA6A}" destId="{6361CB14-60E1-4F83-9997-EFB9844B5A05}" srcOrd="5" destOrd="0" parTransId="{1252B7DE-0A3B-4740-98F1-4BE7091AC813}" sibTransId="{C3B24982-473D-466A-8A28-7C18E69814E1}"/>
     <dgm:cxn modelId="{700007B5-4C3A-461C-87A2-AB6895C29CE1}" srcId="{ABA77F75-8642-4931-8D7E-BE6C6DB9940D}" destId="{907620F0-6591-42DC-B110-0C06FC633BAA}" srcOrd="5" destOrd="0" parTransId="{8266F1DF-1C76-4805-9B2B-E5268D2D5807}" sibTransId="{BC5DEE95-ED7A-44CA-8F9B-E32857CFD266}"/>
-    <dgm:cxn modelId="{5F12E8B9-000C-441B-B9E7-99ED7A20363B}" type="presOf" srcId="{6857B86A-DEC1-407C-A1BB-5BF9ACCBCA6A}" destId="{F0C1B2C7-0B23-4FE8-AB0F-5877B88532DB}" srcOrd="0" destOrd="0" presId="urn:microsoft.com/office/officeart/2005/8/layout/hList1"/>
-    <dgm:cxn modelId="{D205DFC1-FED6-4935-AA0F-09EE5EB4D48A}" type="presOf" srcId="{E255124C-297E-4CA7-9194-01CF609F17A4}" destId="{17CA1487-CDD9-4364-92F6-A11DBDAFE16C}" srcOrd="0" destOrd="6" presId="urn:microsoft.com/office/officeart/2005/8/layout/hList1"/>
+    <dgm:cxn modelId="{4375B0B7-936F-44E4-9226-8846BEB67D10}" type="presOf" srcId="{73EDA8E0-C39E-4A18-90DA-DA8E58F77B50}" destId="{E4FD5043-5612-43C5-B6AE-CCD431549399}" srcOrd="0" destOrd="2" presId="urn:microsoft.com/office/officeart/2005/8/layout/hList1"/>
+    <dgm:cxn modelId="{E37669BC-8C38-46D0-9374-0496D33D1C96}" type="presOf" srcId="{164A9B8A-B4BD-4431-B859-ADC185E5E0D3}" destId="{17CA1487-CDD9-4364-92F6-A11DBDAFE16C}" srcOrd="0" destOrd="3" presId="urn:microsoft.com/office/officeart/2005/8/layout/hList1"/>
     <dgm:cxn modelId="{0073D4C3-F488-4F79-B637-186FAECF6BAD}" srcId="{CF9FC193-7A05-4631-B681-B56EAB543D38}" destId="{DA5DFAD8-E443-4F53-9341-A0903BBBD378}" srcOrd="2" destOrd="0" parTransId="{F6012B3B-01B0-4E7C-A363-0177B95D3DD8}" sibTransId="{76D9F54E-47B3-4FE0-B465-AD673964072E}"/>
+    <dgm:cxn modelId="{68FD2EC6-8BB1-4E5E-99A7-C38E053753ED}" type="presOf" srcId="{13025E5D-0295-482F-AADD-958BA4F93717}" destId="{E4FD5043-5612-43C5-B6AE-CCD431549399}" srcOrd="0" destOrd="8" presId="urn:microsoft.com/office/officeart/2005/8/layout/hList1"/>
     <dgm:cxn modelId="{AE405BC7-5F1D-4FDF-B1DF-8F6DEDCB8384}" srcId="{ABA77F75-8642-4931-8D7E-BE6C6DB9940D}" destId="{0B62F46A-F2FD-4448-AD35-29F7ED625619}" srcOrd="7" destOrd="0" parTransId="{60396BF8-370E-4B18-9213-E9A3C50E04C6}" sibTransId="{F1450DFD-74C3-43A9-BD5E-116D7C59E630}"/>
-    <dgm:cxn modelId="{B9F588C8-9316-47AF-8A17-885A2A85DFE1}" type="presOf" srcId="{365D6D53-7FA2-4555-A862-D51073BB4C90}" destId="{E4FD5043-5612-43C5-B6AE-CCD431549399}" srcOrd="0" destOrd="4" presId="urn:microsoft.com/office/officeart/2005/8/layout/hList1"/>
+    <dgm:cxn modelId="{5C7A05CA-7025-4CDB-88EF-F614689FDAC0}" type="presOf" srcId="{4EA3F7C2-8BCE-45BE-A919-CBBB33285BD0}" destId="{EA81ED6A-A7EA-4137-A3DC-D16E79F1B938}" srcOrd="0" destOrd="1" presId="urn:microsoft.com/office/officeart/2005/8/layout/hList1"/>
     <dgm:cxn modelId="{E30B92CB-446C-4644-BEC7-A923844DBD45}" srcId="{6857B86A-DEC1-407C-A1BB-5BF9ACCBCA6A}" destId="{164A9B8A-B4BD-4431-B859-ADC185E5E0D3}" srcOrd="3" destOrd="0" parTransId="{C07E1B47-0DE7-4A5B-B446-AD202CBF6B20}" sibTransId="{A1AC4C64-DA6B-4F93-A8C5-E0E90ACA3586}"/>
-    <dgm:cxn modelId="{4E21C5D3-FA97-4E62-8CC9-01B68E76021E}" type="presOf" srcId="{ABA77F75-8642-4931-8D7E-BE6C6DB9940D}" destId="{055A5EAB-EAE0-4501-8649-31F112FF9AD5}" srcOrd="0" destOrd="0" presId="urn:microsoft.com/office/officeart/2005/8/layout/hList1"/>
     <dgm:cxn modelId="{4CD5FCDD-1F8A-43A3-BD77-CBE3B3864C41}" srcId="{6857B86A-DEC1-407C-A1BB-5BF9ACCBCA6A}" destId="{4C8BFA56-3F75-4CAD-90A3-2F214D699322}" srcOrd="0" destOrd="0" parTransId="{9A6E3B20-A734-4412-84CF-0134D93D4B28}" sibTransId="{7B50916F-B8BA-427F-B9F0-A301E54D7FB3}"/>
-    <dgm:cxn modelId="{F6983BDE-0D2B-4BD0-8BD5-4647B42A264E}" type="presOf" srcId="{388D911F-5131-4B95-8FCA-44355C31A787}" destId="{EA81ED6A-A7EA-4137-A3DC-D16E79F1B938}" srcOrd="0" destOrd="2" presId="urn:microsoft.com/office/officeart/2005/8/layout/hList1"/>
-    <dgm:cxn modelId="{C8735DE3-14E9-4FDB-8D6A-4B408B6B6620}" type="presOf" srcId="{779F62A4-326E-4498-9156-493EBEBF5BAD}" destId="{E4FD5043-5612-43C5-B6AE-CCD431549399}" srcOrd="0" destOrd="6" presId="urn:microsoft.com/office/officeart/2005/8/layout/hList1"/>
-    <dgm:cxn modelId="{58D887E9-04DA-4285-827F-DA6F12BD080E}" type="presOf" srcId="{611C3B18-07F8-4A66-9682-97E24AEF6014}" destId="{E4FD5043-5612-43C5-B6AE-CCD431549399}" srcOrd="0" destOrd="0" presId="urn:microsoft.com/office/officeart/2005/8/layout/hList1"/>
+    <dgm:cxn modelId="{77E2EDE8-A373-4281-8C9C-EE0AC96C57CD}" type="presOf" srcId="{6EE89B4E-BAED-4A90-B29D-70AF11256801}" destId="{EA81ED6A-A7EA-4137-A3DC-D16E79F1B938}" srcOrd="0" destOrd="0" presId="urn:microsoft.com/office/officeart/2005/8/layout/hList1"/>
     <dgm:cxn modelId="{D959B3EA-A66A-4B40-901C-93ECD4985A93}" srcId="{CF9FC193-7A05-4631-B681-B56EAB543D38}" destId="{ABA77F75-8642-4931-8D7E-BE6C6DB9940D}" srcOrd="1" destOrd="0" parTransId="{FCF9AE1B-B22B-4F91-BFD8-DDBBF762F128}" sibTransId="{1A095211-ADB0-42CA-9F24-F1BC942872F3}"/>
+    <dgm:cxn modelId="{CE1057EC-C7A9-4ED4-A572-157B97298895}" type="presOf" srcId="{6857B86A-DEC1-407C-A1BB-5BF9ACCBCA6A}" destId="{F0C1B2C7-0B23-4FE8-AB0F-5877B88532DB}" srcOrd="0" destOrd="0" presId="urn:microsoft.com/office/officeart/2005/8/layout/hList1"/>
     <dgm:cxn modelId="{FB9CE7F3-0462-44F5-B6F0-FAAD6E2FE548}" srcId="{6857B86A-DEC1-407C-A1BB-5BF9ACCBCA6A}" destId="{7F911386-BF72-4BD7-9315-1026F4EEAE95}" srcOrd="4" destOrd="0" parTransId="{70609681-E848-44B4-A15F-A2E99B056393}" sibTransId="{601A8556-CB4B-482A-80CB-2A52AEB62EFE}"/>
-    <dgm:cxn modelId="{EC85DDF8-2E2F-4F06-928C-928D0AABABB0}" type="presOf" srcId="{164A9B8A-B4BD-4431-B859-ADC185E5E0D3}" destId="{17CA1487-CDD9-4364-92F6-A11DBDAFE16C}" srcOrd="0" destOrd="3" presId="urn:microsoft.com/office/officeart/2005/8/layout/hList1"/>
     <dgm:cxn modelId="{64A00AFB-D909-4E4F-881C-95919A0EED97}" srcId="{DA5DFAD8-E443-4F53-9341-A0903BBBD378}" destId="{388D911F-5131-4B95-8FCA-44355C31A787}" srcOrd="2" destOrd="0" parTransId="{90DE3C42-B930-4A61-B78B-7BCFF7A9C3BC}" sibTransId="{6C88182B-48B6-413C-BAE8-817D076D6F78}"/>
-    <dgm:cxn modelId="{765D4AFC-C3A4-4F8B-A000-988DC6C44800}" type="presOf" srcId="{6EE89B4E-BAED-4A90-B29D-70AF11256801}" destId="{EA81ED6A-A7EA-4137-A3DC-D16E79F1B938}" srcOrd="0" destOrd="0" presId="urn:microsoft.com/office/officeart/2005/8/layout/hList1"/>
-    <dgm:cxn modelId="{1F4D79B9-0A03-4486-BB92-D4BA991ED70D}" type="presParOf" srcId="{DE3F77CF-6A8C-4783-A2CE-00E88C4199CB}" destId="{4E69B62D-7E76-4E06-9330-583771E53BDE}" srcOrd="0" destOrd="0" presId="urn:microsoft.com/office/officeart/2005/8/layout/hList1"/>
-    <dgm:cxn modelId="{EFFE150E-7CB3-4A38-AC57-820444F8E7BA}" type="presParOf" srcId="{4E69B62D-7E76-4E06-9330-583771E53BDE}" destId="{F0C1B2C7-0B23-4FE8-AB0F-5877B88532DB}" srcOrd="0" destOrd="0" presId="urn:microsoft.com/office/officeart/2005/8/layout/hList1"/>
-    <dgm:cxn modelId="{332F5817-5A55-4FC1-BA35-DBB23A0AD13C}" type="presParOf" srcId="{4E69B62D-7E76-4E06-9330-583771E53BDE}" destId="{17CA1487-CDD9-4364-92F6-A11DBDAFE16C}" srcOrd="1" destOrd="0" presId="urn:microsoft.com/office/officeart/2005/8/layout/hList1"/>
-    <dgm:cxn modelId="{697E9D8E-F51C-4123-B62B-291815C4E7C1}" type="presParOf" srcId="{DE3F77CF-6A8C-4783-A2CE-00E88C4199CB}" destId="{3FA24A66-31D3-4A69-B628-8BE88627B97D}" srcOrd="1" destOrd="0" presId="urn:microsoft.com/office/officeart/2005/8/layout/hList1"/>
-    <dgm:cxn modelId="{A09CCE6C-77C7-4B5A-B9DA-7E705F8B286E}" type="presParOf" srcId="{DE3F77CF-6A8C-4783-A2CE-00E88C4199CB}" destId="{3B158D6E-E3AA-49BB-988A-758B59ED8F3B}" srcOrd="2" destOrd="0" presId="urn:microsoft.com/office/officeart/2005/8/layout/hList1"/>
-    <dgm:cxn modelId="{817F5423-5421-4F7E-968E-B3D3A624058B}" type="presParOf" srcId="{3B158D6E-E3AA-49BB-988A-758B59ED8F3B}" destId="{055A5EAB-EAE0-4501-8649-31F112FF9AD5}" srcOrd="0" destOrd="0" presId="urn:microsoft.com/office/officeart/2005/8/layout/hList1"/>
-    <dgm:cxn modelId="{63113D3E-83F3-4A52-BAD6-246138FEC15C}" type="presParOf" srcId="{3B158D6E-E3AA-49BB-988A-758B59ED8F3B}" destId="{E4FD5043-5612-43C5-B6AE-CCD431549399}" srcOrd="1" destOrd="0" presId="urn:microsoft.com/office/officeart/2005/8/layout/hList1"/>
-    <dgm:cxn modelId="{6DF49720-E4F0-4625-B768-1FADCBFE92E0}" type="presParOf" srcId="{DE3F77CF-6A8C-4783-A2CE-00E88C4199CB}" destId="{3E20F600-AFBC-427F-8295-F096F694BC17}" srcOrd="3" destOrd="0" presId="urn:microsoft.com/office/officeart/2005/8/layout/hList1"/>
-    <dgm:cxn modelId="{C0F7FF12-72ED-4C65-8A42-67FCEE3903CF}" type="presParOf" srcId="{DE3F77CF-6A8C-4783-A2CE-00E88C4199CB}" destId="{173DA3A6-F783-42D4-9ED8-FD330979BCEA}" srcOrd="4" destOrd="0" presId="urn:microsoft.com/office/officeart/2005/8/layout/hList1"/>
-    <dgm:cxn modelId="{67AEDA95-4E81-49EB-9136-C42824BC288A}" type="presParOf" srcId="{173DA3A6-F783-42D4-9ED8-FD330979BCEA}" destId="{23D06E36-F688-4B37-8BB8-73015E665B0E}" srcOrd="0" destOrd="0" presId="urn:microsoft.com/office/officeart/2005/8/layout/hList1"/>
-    <dgm:cxn modelId="{190091E1-69E5-482F-89E9-B5A6338D6BCD}" type="presParOf" srcId="{173DA3A6-F783-42D4-9ED8-FD330979BCEA}" destId="{EA81ED6A-A7EA-4137-A3DC-D16E79F1B938}" srcOrd="1" destOrd="0" presId="urn:microsoft.com/office/officeart/2005/8/layout/hList1"/>
+    <dgm:cxn modelId="{F27890D6-E51A-4521-B9A2-1CB95799092E}" type="presParOf" srcId="{DE3F77CF-6A8C-4783-A2CE-00E88C4199CB}" destId="{4E69B62D-7E76-4E06-9330-583771E53BDE}" srcOrd="0" destOrd="0" presId="urn:microsoft.com/office/officeart/2005/8/layout/hList1"/>
+    <dgm:cxn modelId="{DBD6C102-AE36-46FC-818E-7ABE149358E0}" type="presParOf" srcId="{4E69B62D-7E76-4E06-9330-583771E53BDE}" destId="{F0C1B2C7-0B23-4FE8-AB0F-5877B88532DB}" srcOrd="0" destOrd="0" presId="urn:microsoft.com/office/officeart/2005/8/layout/hList1"/>
+    <dgm:cxn modelId="{AD2A544F-E8EF-434F-9ED9-63C0DE677FBC}" type="presParOf" srcId="{4E69B62D-7E76-4E06-9330-583771E53BDE}" destId="{17CA1487-CDD9-4364-92F6-A11DBDAFE16C}" srcOrd="1" destOrd="0" presId="urn:microsoft.com/office/officeart/2005/8/layout/hList1"/>
+    <dgm:cxn modelId="{94DEDD92-352D-4D32-881F-525B2CB288AA}" type="presParOf" srcId="{DE3F77CF-6A8C-4783-A2CE-00E88C4199CB}" destId="{3FA24A66-31D3-4A69-B628-8BE88627B97D}" srcOrd="1" destOrd="0" presId="urn:microsoft.com/office/officeart/2005/8/layout/hList1"/>
+    <dgm:cxn modelId="{E3E99296-597C-4D8C-9E36-13AEC4FE30C6}" type="presParOf" srcId="{DE3F77CF-6A8C-4783-A2CE-00E88C4199CB}" destId="{3B158D6E-E3AA-49BB-988A-758B59ED8F3B}" srcOrd="2" destOrd="0" presId="urn:microsoft.com/office/officeart/2005/8/layout/hList1"/>
+    <dgm:cxn modelId="{755FBCA7-1404-4BB7-ABF1-352A6F2D4473}" type="presParOf" srcId="{3B158D6E-E3AA-49BB-988A-758B59ED8F3B}" destId="{055A5EAB-EAE0-4501-8649-31F112FF9AD5}" srcOrd="0" destOrd="0" presId="urn:microsoft.com/office/officeart/2005/8/layout/hList1"/>
+    <dgm:cxn modelId="{80167C76-A865-4DA4-B1B6-22507A70189F}" type="presParOf" srcId="{3B158D6E-E3AA-49BB-988A-758B59ED8F3B}" destId="{E4FD5043-5612-43C5-B6AE-CCD431549399}" srcOrd="1" destOrd="0" presId="urn:microsoft.com/office/officeart/2005/8/layout/hList1"/>
+    <dgm:cxn modelId="{8482CD0B-9C64-4AD9-9374-7AD822E49AE8}" type="presParOf" srcId="{DE3F77CF-6A8C-4783-A2CE-00E88C4199CB}" destId="{3E20F600-AFBC-427F-8295-F096F694BC17}" srcOrd="3" destOrd="0" presId="urn:microsoft.com/office/officeart/2005/8/layout/hList1"/>
+    <dgm:cxn modelId="{FC3F7571-83DB-452F-8CD5-CA4F066371FC}" type="presParOf" srcId="{DE3F77CF-6A8C-4783-A2CE-00E88C4199CB}" destId="{173DA3A6-F783-42D4-9ED8-FD330979BCEA}" srcOrd="4" destOrd="0" presId="urn:microsoft.com/office/officeart/2005/8/layout/hList1"/>
+    <dgm:cxn modelId="{5992261D-57F3-447E-8D70-78A41ABD19BF}" type="presParOf" srcId="{173DA3A6-F783-42D4-9ED8-FD330979BCEA}" destId="{23D06E36-F688-4B37-8BB8-73015E665B0E}" srcOrd="0" destOrd="0" presId="urn:microsoft.com/office/officeart/2005/8/layout/hList1"/>
+    <dgm:cxn modelId="{EB6803D9-695A-43E5-BC8B-4FEA20295456}" type="presParOf" srcId="{173DA3A6-F783-42D4-9ED8-FD330979BCEA}" destId="{EA81ED6A-A7EA-4137-A3DC-D16E79F1B938}" srcOrd="1" destOrd="0" presId="urn:microsoft.com/office/officeart/2005/8/layout/hList1"/>
   </dgm:cxnLst>
   <dgm:bg/>
   <dgm:whole/>
@@ -3477,11 +3503,11 @@
           </a:pPr>
           <a:r>
             <a:rPr lang="pt-BR" sz="2400" kern="1200" noProof="0" dirty="0">
-              <a:latin typeface="Tahoma" panose="020B0604030504040204" pitchFamily="34" charset="0"/>
-              <a:ea typeface="Tahoma" panose="020B0604030504040204" pitchFamily="34" charset="0"/>
-              <a:cs typeface="Tahoma" panose="020B0604030504040204" pitchFamily="34" charset="0"/>
+              <a:latin typeface="Tahoma"/>
+              <a:ea typeface="Tahoma"/>
+              <a:cs typeface="Tahoma"/>
             </a:rPr>
-            <a:t>Segurança e evitar custos ao consumidor </a:t>
+            <a:t>Segurança e evitar custos adicionais ao consumidor </a:t>
           </a:r>
         </a:p>
       </dsp:txBody>
@@ -3641,11 +3667,11 @@
           </a:pPr>
           <a:r>
             <a:rPr lang="pt-BR" sz="2400" kern="1200" noProof="0" dirty="0">
-              <a:latin typeface="Tahoma" panose="020B0604030504040204" pitchFamily="34" charset="0"/>
-              <a:ea typeface="Tahoma" panose="020B0604030504040204" pitchFamily="34" charset="0"/>
-              <a:cs typeface="Tahoma" panose="020B0604030504040204" pitchFamily="34" charset="0"/>
+              <a:latin typeface="Tahoma"/>
+              <a:ea typeface="Tahoma"/>
+              <a:cs typeface="Tahoma"/>
             </a:rPr>
-            <a:t>Industrias, comércio e residências</a:t>
+            <a:t>Industrias, comércios e residências</a:t>
           </a:r>
         </a:p>
       </dsp:txBody>
@@ -3886,11 +3912,11 @@
           </a:pPr>
           <a:r>
             <a:rPr lang="pt-BR" sz="2200" kern="1200" noProof="0" dirty="0">
-              <a:latin typeface="Tahoma" panose="020B0604030504040204" pitchFamily="34" charset="0"/>
-              <a:ea typeface="Tahoma" panose="020B0604030504040204" pitchFamily="34" charset="0"/>
-              <a:cs typeface="Tahoma" panose="020B0604030504040204" pitchFamily="34" charset="0"/>
+              <a:latin typeface="Tahoma"/>
+              <a:ea typeface="Tahoma"/>
+              <a:cs typeface="Tahoma"/>
             </a:rPr>
-            <a:t>Qual a importância na atualidade?</a:t>
+            <a:t>Qual a importância dessa aplicação atualidade?</a:t>
           </a:r>
         </a:p>
       </dsp:txBody>
@@ -3919,7 +3945,7 @@
       <dsp:spPr>
         <a:xfrm>
           <a:off x="0" y="0"/>
-          <a:ext cx="3447370" cy="633600"/>
+          <a:ext cx="3369979" cy="662400"/>
         </a:xfrm>
         <a:prstGeom prst="rect">
           <a:avLst/>
@@ -3960,12 +3986,12 @@
         </a:fontRef>
       </dsp:style>
       <dsp:txBody>
-        <a:bodyPr spcFirstLastPara="0" vert="horz" wrap="square" lIns="156464" tIns="89408" rIns="156464" bIns="89408" numCol="1" spcCol="1270" rtlCol="0" anchor="ctr" anchorCtr="0">
+        <a:bodyPr spcFirstLastPara="0" vert="horz" wrap="square" lIns="163576" tIns="93472" rIns="163576" bIns="93472" numCol="1" spcCol="1270" rtlCol="0" anchor="ctr" anchorCtr="0">
           <a:noAutofit/>
         </a:bodyPr>
         <a:lstStyle/>
         <a:p>
-          <a:pPr marL="0" lvl="0" indent="0" algn="ctr" defTabSz="977900" rtl="0">
+          <a:pPr marL="0" lvl="0" indent="0" algn="ctr" defTabSz="1022350" rtl="0">
             <a:lnSpc>
               <a:spcPct val="90000"/>
             </a:lnSpc>
@@ -3978,14 +4004,14 @@
             <a:buNone/>
           </a:pPr>
           <a:r>
-            <a:rPr lang="pt-BR" sz="2200" kern="1200" dirty="0">
-              <a:latin typeface="Tahoma" panose="020B0604030504040204" pitchFamily="34" charset="0"/>
-              <a:ea typeface="Tahoma" panose="020B0604030504040204" pitchFamily="34" charset="0"/>
-              <a:cs typeface="Tahoma" panose="020B0604030504040204" pitchFamily="34" charset="0"/>
+            <a:rPr lang="pt-BR" sz="2300" kern="1200" dirty="0">
+              <a:latin typeface="Tahoma"/>
+              <a:ea typeface="Tahoma"/>
+              <a:cs typeface="Tahoma"/>
             </a:rPr>
             <a:t>Materiais utilizados</a:t>
           </a:r>
-          <a:endParaRPr lang="pt-br" sz="2200" kern="1200" dirty="0">
+          <a:endParaRPr lang="pt-br" sz="2300" kern="1200" dirty="0">
             <a:latin typeface="Tahoma" panose="020B0604030504040204" pitchFamily="34" charset="0"/>
             <a:ea typeface="Tahoma" panose="020B0604030504040204" pitchFamily="34" charset="0"/>
             <a:cs typeface="Tahoma" panose="020B0604030504040204" pitchFamily="34" charset="0"/>
@@ -3994,7 +4020,7 @@
       </dsp:txBody>
       <dsp:txXfrm>
         <a:off x="0" y="0"/>
-        <a:ext cx="3447370" cy="633600"/>
+        <a:ext cx="3369979" cy="662400"/>
       </dsp:txXfrm>
     </dsp:sp>
     <dsp:sp modelId="{17CA1487-CDD9-4364-92F6-A11DBDAFE16C}">
@@ -4004,8 +4030,8 @@
       </dsp:nvSpPr>
       <dsp:spPr>
         <a:xfrm>
-          <a:off x="3535" y="660643"/>
-          <a:ext cx="3447370" cy="3804570"/>
+          <a:off x="3456" y="699061"/>
+          <a:ext cx="3369979" cy="3756532"/>
         </a:xfrm>
         <a:prstGeom prst="rect">
           <a:avLst/>
@@ -4048,12 +4074,12 @@
         <a:fontRef idx="minor"/>
       </dsp:style>
       <dsp:txBody>
-        <a:bodyPr spcFirstLastPara="0" vert="horz" wrap="square" lIns="117348" tIns="117348" rIns="156464" bIns="176022" numCol="1" spcCol="1270" rtlCol="0" anchor="t" anchorCtr="0">
+        <a:bodyPr spcFirstLastPara="0" vert="horz" wrap="square" lIns="122682" tIns="122682" rIns="163576" bIns="184023" numCol="1" spcCol="1270" rtlCol="0" anchor="t" anchorCtr="0">
           <a:noAutofit/>
         </a:bodyPr>
         <a:lstStyle/>
         <a:p>
-          <a:pPr marL="228600" lvl="1" indent="-228600" algn="l" defTabSz="977900" rtl="0">
+          <a:pPr marL="228600" lvl="1" indent="-228600" algn="l" defTabSz="1022350" rtl="0">
             <a:lnSpc>
               <a:spcPct val="90000"/>
             </a:lnSpc>
@@ -4067,21 +4093,21 @@
             <a:buChar char=""/>
           </a:pPr>
           <a:r>
-            <a:rPr lang="pt-BR" sz="2200" b="0" i="0" kern="1200">
-              <a:latin typeface="Tahoma" panose="020B0604030504040204" pitchFamily="34" charset="0"/>
-              <a:ea typeface="Tahoma" panose="020B0604030504040204" pitchFamily="34" charset="0"/>
-              <a:cs typeface="Tahoma" panose="020B0604030504040204" pitchFamily="34" charset="0"/>
+            <a:rPr lang="pt-BR" sz="2300" b="0" i="0" kern="1200" dirty="0">
+              <a:latin typeface="Tahoma"/>
+              <a:ea typeface="Tahoma"/>
+              <a:cs typeface="Tahoma"/>
             </a:rPr>
             <a:t>1sensores de corrente não invasivos 100 A</a:t>
           </a:r>
-          <a:endParaRPr lang="pt-br" sz="2200" kern="1200" dirty="0">
-            <a:latin typeface="Tahoma" panose="020B0604030504040204" pitchFamily="34" charset="0"/>
-            <a:ea typeface="Tahoma" panose="020B0604030504040204" pitchFamily="34" charset="0"/>
-            <a:cs typeface="Tahoma" panose="020B0604030504040204" pitchFamily="34" charset="0"/>
+          <a:endParaRPr lang="pt-br" sz="2300" kern="1200" dirty="0">
+            <a:latin typeface="Tahoma"/>
+            <a:ea typeface="Tahoma"/>
+            <a:cs typeface="Tahoma"/>
           </a:endParaRPr>
         </a:p>
         <a:p>
-          <a:pPr marL="228600" lvl="1" indent="-228600" algn="l" defTabSz="977900" rtl="0">
+          <a:pPr marL="228600" lvl="1" indent="-228600" algn="l" defTabSz="1022350" rtl="0">
             <a:lnSpc>
               <a:spcPct val="90000"/>
             </a:lnSpc>
@@ -4095,21 +4121,16 @@
             <a:buChar char=""/>
           </a:pPr>
           <a:r>
-            <a:rPr lang="pt-BR" sz="2200" b="0" i="0" kern="1200">
-              <a:latin typeface="Tahoma" panose="020B0604030504040204" pitchFamily="34" charset="0"/>
-              <a:ea typeface="Tahoma" panose="020B0604030504040204" pitchFamily="34" charset="0"/>
-              <a:cs typeface="Tahoma" panose="020B0604030504040204" pitchFamily="34" charset="0"/>
+            <a:rPr lang="pt-BR" sz="2300" b="0" i="0" kern="1200" dirty="0">
+              <a:latin typeface="Tahoma"/>
+              <a:ea typeface="Tahoma"/>
+              <a:cs typeface="Tahoma"/>
             </a:rPr>
             <a:t>3 LEDs</a:t>
           </a:r>
-          <a:endParaRPr lang="pt-BR" sz="2200" b="0" i="0" kern="1200" dirty="0">
-            <a:latin typeface="Tahoma" panose="020B0604030504040204" pitchFamily="34" charset="0"/>
-            <a:ea typeface="Tahoma" panose="020B0604030504040204" pitchFamily="34" charset="0"/>
-            <a:cs typeface="Tahoma" panose="020B0604030504040204" pitchFamily="34" charset="0"/>
-          </a:endParaRPr>
         </a:p>
         <a:p>
-          <a:pPr marL="228600" lvl="1" indent="-228600" algn="l" defTabSz="977900" rtl="0">
+          <a:pPr marL="228600" lvl="1" indent="-228600" algn="l" defTabSz="1022350" rtl="0">
             <a:lnSpc>
               <a:spcPct val="90000"/>
             </a:lnSpc>
@@ -4123,21 +4144,16 @@
             <a:buChar char=""/>
           </a:pPr>
           <a:r>
-            <a:rPr lang="pt-BR" sz="2200" b="0" i="0" kern="1200">
-              <a:latin typeface="Tahoma" panose="020B0604030504040204" pitchFamily="34" charset="0"/>
-              <a:ea typeface="Tahoma" panose="020B0604030504040204" pitchFamily="34" charset="0"/>
-              <a:cs typeface="Tahoma" panose="020B0604030504040204" pitchFamily="34" charset="0"/>
+            <a:rPr lang="pt-BR" sz="2300" b="0" i="0" kern="1200" dirty="0">
+              <a:latin typeface="Tahoma"/>
+              <a:ea typeface="Tahoma"/>
+              <a:cs typeface="Tahoma"/>
             </a:rPr>
             <a:t>4 Resistores de 10 k</a:t>
           </a:r>
-          <a:endParaRPr lang="pt-BR" sz="2200" b="0" i="0" kern="1200" dirty="0">
-            <a:latin typeface="Tahoma" panose="020B0604030504040204" pitchFamily="34" charset="0"/>
-            <a:ea typeface="Tahoma" panose="020B0604030504040204" pitchFamily="34" charset="0"/>
-            <a:cs typeface="Tahoma" panose="020B0604030504040204" pitchFamily="34" charset="0"/>
-          </a:endParaRPr>
         </a:p>
         <a:p>
-          <a:pPr marL="228600" lvl="1" indent="-228600" algn="l" defTabSz="977900" rtl="0">
+          <a:pPr marL="228600" lvl="1" indent="-228600" algn="l" defTabSz="1022350" rtl="0">
             <a:lnSpc>
               <a:spcPct val="90000"/>
             </a:lnSpc>
@@ -4151,21 +4167,16 @@
             <a:buChar char=""/>
           </a:pPr>
           <a:r>
-            <a:rPr lang="pt-BR" sz="2200" b="0" i="0" kern="1200">
-              <a:latin typeface="Tahoma" panose="020B0604030504040204" pitchFamily="34" charset="0"/>
-              <a:ea typeface="Tahoma" panose="020B0604030504040204" pitchFamily="34" charset="0"/>
-              <a:cs typeface="Tahoma" panose="020B0604030504040204" pitchFamily="34" charset="0"/>
+            <a:rPr lang="pt-BR" sz="2300" b="0" i="0" kern="1200" dirty="0">
+              <a:latin typeface="Tahoma"/>
+              <a:ea typeface="Tahoma"/>
+              <a:cs typeface="Tahoma"/>
             </a:rPr>
             <a:t>1 Resistores de 330 ohms</a:t>
           </a:r>
-          <a:endParaRPr lang="pt-BR" sz="2200" b="0" i="0" kern="1200" dirty="0">
-            <a:latin typeface="Tahoma" panose="020B0604030504040204" pitchFamily="34" charset="0"/>
-            <a:ea typeface="Tahoma" panose="020B0604030504040204" pitchFamily="34" charset="0"/>
-            <a:cs typeface="Tahoma" panose="020B0604030504040204" pitchFamily="34" charset="0"/>
-          </a:endParaRPr>
         </a:p>
         <a:p>
-          <a:pPr marL="228600" lvl="1" indent="-228600" algn="l" defTabSz="977900" rtl="0">
+          <a:pPr marL="228600" lvl="1" indent="-228600" algn="l" defTabSz="1022350" rtl="0">
             <a:lnSpc>
               <a:spcPct val="90000"/>
             </a:lnSpc>
@@ -4179,21 +4190,16 @@
             <a:buChar char=""/>
           </a:pPr>
           <a:r>
-            <a:rPr lang="pt-BR" sz="2200" b="0" i="0" kern="1200">
-              <a:latin typeface="Tahoma" panose="020B0604030504040204" pitchFamily="34" charset="0"/>
-              <a:ea typeface="Tahoma" panose="020B0604030504040204" pitchFamily="34" charset="0"/>
-              <a:cs typeface="Tahoma" panose="020B0604030504040204" pitchFamily="34" charset="0"/>
+            <a:rPr lang="pt-BR" sz="2300" b="0" i="0" kern="1200" dirty="0">
+              <a:latin typeface="Tahoma"/>
+              <a:ea typeface="Tahoma"/>
+              <a:cs typeface="Tahoma"/>
             </a:rPr>
             <a:t>1 protoboard</a:t>
           </a:r>
-          <a:endParaRPr lang="pt-BR" sz="2200" b="0" i="0" kern="1200" dirty="0">
-            <a:latin typeface="Tahoma" panose="020B0604030504040204" pitchFamily="34" charset="0"/>
-            <a:ea typeface="Tahoma" panose="020B0604030504040204" pitchFamily="34" charset="0"/>
-            <a:cs typeface="Tahoma" panose="020B0604030504040204" pitchFamily="34" charset="0"/>
-          </a:endParaRPr>
         </a:p>
         <a:p>
-          <a:pPr marL="228600" lvl="1" indent="-228600" algn="l" defTabSz="977900" rtl="0">
+          <a:pPr marL="228600" lvl="1" indent="-228600" algn="l" defTabSz="1022350" rtl="0">
             <a:lnSpc>
               <a:spcPct val="90000"/>
             </a:lnSpc>
@@ -4207,7 +4213,7 @@
             <a:buChar char=""/>
           </a:pPr>
           <a:r>
-            <a:rPr lang="pt-BR" sz="2200" b="0" i="0" kern="1200" dirty="0">
+            <a:rPr lang="pt-BR" sz="2300" b="0" i="0" kern="1200" dirty="0">
               <a:latin typeface="Tahoma" panose="020B0604030504040204" pitchFamily="34" charset="0"/>
               <a:ea typeface="Tahoma" panose="020B0604030504040204" pitchFamily="34" charset="0"/>
               <a:cs typeface="Tahoma" panose="020B0604030504040204" pitchFamily="34" charset="0"/>
@@ -4216,7 +4222,7 @@
           </a:r>
         </a:p>
         <a:p>
-          <a:pPr marL="228600" lvl="1" indent="-228600" algn="l" defTabSz="977900" rtl="0">
+          <a:pPr marL="228600" lvl="1" indent="-228600" algn="l" defTabSz="1022350" rtl="0">
             <a:lnSpc>
               <a:spcPct val="90000"/>
             </a:lnSpc>
@@ -4230,7 +4236,7 @@
             <a:buChar char=""/>
           </a:pPr>
           <a:r>
-            <a:rPr lang="pt-BR" sz="2200" b="0" i="0" kern="1200" dirty="0">
+            <a:rPr lang="pt-BR" sz="2300" b="0" i="0" kern="1200" dirty="0">
               <a:latin typeface="Tahoma" panose="020B0604030504040204" pitchFamily="34" charset="0"/>
               <a:ea typeface="Tahoma" panose="020B0604030504040204" pitchFamily="34" charset="0"/>
               <a:cs typeface="Tahoma" panose="020B0604030504040204" pitchFamily="34" charset="0"/>
@@ -4240,8 +4246,8 @@
         </a:p>
       </dsp:txBody>
       <dsp:txXfrm>
-        <a:off x="3535" y="660643"/>
-        <a:ext cx="3447370" cy="3804570"/>
+        <a:off x="3456" y="699061"/>
+        <a:ext cx="3369979" cy="3756532"/>
       </dsp:txXfrm>
     </dsp:sp>
     <dsp:sp modelId="{055A5EAB-EAE0-4501-8649-31F112FF9AD5}">
@@ -4251,8 +4257,8 @@
       </dsp:nvSpPr>
       <dsp:spPr>
         <a:xfrm>
-          <a:off x="3933537" y="27042"/>
-          <a:ext cx="3447370" cy="633600"/>
+          <a:off x="3845233" y="36661"/>
+          <a:ext cx="3369979" cy="662400"/>
         </a:xfrm>
         <a:prstGeom prst="rect">
           <a:avLst/>
@@ -4293,12 +4299,12 @@
         </a:fontRef>
       </dsp:style>
       <dsp:txBody>
-        <a:bodyPr spcFirstLastPara="0" vert="horz" wrap="square" lIns="156464" tIns="89408" rIns="156464" bIns="89408" numCol="1" spcCol="1270" rtlCol="0" anchor="ctr" anchorCtr="0">
+        <a:bodyPr spcFirstLastPara="0" vert="horz" wrap="square" lIns="163576" tIns="93472" rIns="163576" bIns="93472" numCol="1" spcCol="1270" rtlCol="0" anchor="ctr" anchorCtr="0">
           <a:noAutofit/>
         </a:bodyPr>
         <a:lstStyle/>
         <a:p>
-          <a:pPr marL="0" lvl="0" indent="0" algn="ctr" defTabSz="977900" rtl="0">
+          <a:pPr marL="0" lvl="0" indent="0" algn="ctr" defTabSz="1022350" rtl="0">
             <a:lnSpc>
               <a:spcPct val="90000"/>
             </a:lnSpc>
@@ -4311,14 +4317,14 @@
             <a:buNone/>
           </a:pPr>
           <a:r>
-            <a:rPr lang="pt-BR" sz="2200" kern="1200" dirty="0">
+            <a:rPr lang="pt-BR" sz="2300" kern="1200" dirty="0">
               <a:latin typeface="Tahoma" panose="020B0604030504040204" pitchFamily="34" charset="0"/>
               <a:ea typeface="Tahoma" panose="020B0604030504040204" pitchFamily="34" charset="0"/>
               <a:cs typeface="Tahoma" panose="020B0604030504040204" pitchFamily="34" charset="0"/>
             </a:rPr>
             <a:t>Software utilizado</a:t>
           </a:r>
-          <a:endParaRPr lang="pt-br" sz="2200" kern="1200" dirty="0">
+          <a:endParaRPr lang="pt-br" sz="2300" kern="1200" dirty="0">
             <a:latin typeface="Tahoma" panose="020B0604030504040204" pitchFamily="34" charset="0"/>
             <a:ea typeface="Tahoma" panose="020B0604030504040204" pitchFamily="34" charset="0"/>
             <a:cs typeface="Tahoma" panose="020B0604030504040204" pitchFamily="34" charset="0"/>
@@ -4326,8 +4332,8 @@
         </a:p>
       </dsp:txBody>
       <dsp:txXfrm>
-        <a:off x="3933537" y="27042"/>
-        <a:ext cx="3447370" cy="633600"/>
+        <a:off x="3845233" y="36661"/>
+        <a:ext cx="3369979" cy="662400"/>
       </dsp:txXfrm>
     </dsp:sp>
     <dsp:sp modelId="{E4FD5043-5612-43C5-B6AE-CCD431549399}">
@@ -4337,8 +4343,8 @@
       </dsp:nvSpPr>
       <dsp:spPr>
         <a:xfrm>
-          <a:off x="3933537" y="660643"/>
-          <a:ext cx="3447370" cy="3804570"/>
+          <a:off x="3845233" y="699061"/>
+          <a:ext cx="3369979" cy="3756532"/>
         </a:xfrm>
         <a:prstGeom prst="rect">
           <a:avLst/>
@@ -4401,17 +4407,31 @@
           </a:pPr>
           <a:r>
             <a:rPr lang="pt-BR" sz="2000" kern="1200" dirty="0">
-              <a:latin typeface="Tahoma" panose="020B0604030504040204" pitchFamily="34" charset="0"/>
-              <a:ea typeface="Tahoma" panose="020B0604030504040204" pitchFamily="34" charset="0"/>
-              <a:cs typeface="Tahoma" panose="020B0604030504040204" pitchFamily="34" charset="0"/>
+              <a:latin typeface="Tahoma"/>
+              <a:ea typeface="Tahoma"/>
+              <a:cs typeface="Tahoma"/>
             </a:rPr>
             <a:t>IDE do Arduino</a:t>
           </a:r>
-          <a:endParaRPr lang="pt-br" sz="2000" kern="1200" dirty="0">
-            <a:latin typeface="Tahoma" panose="020B0604030504040204" pitchFamily="34" charset="0"/>
-            <a:ea typeface="Tahoma" panose="020B0604030504040204" pitchFamily="34" charset="0"/>
-            <a:cs typeface="Tahoma" panose="020B0604030504040204" pitchFamily="34" charset="0"/>
-          </a:endParaRPr>
+          <a:r>
+            <a:rPr lang="pt-br" sz="2000" kern="1200" dirty="0">
+              <a:latin typeface="Tahoma"/>
+              <a:ea typeface="Tahoma"/>
+              <a:cs typeface="Tahoma"/>
+            </a:rPr>
+            <a:t> (</a:t>
+          </a:r>
+          <a:r>
+            <a:rPr lang="pt-br" sz="2000" kern="1200" dirty="0"/>
+            <a:t>POO</a:t>
+          </a:r>
+          <a:r>
+            <a:rPr lang="pt-br" sz="2000" kern="1200" dirty="0">
+              <a:latin typeface="Tw Cen MT" panose="020B0602020104020603"/>
+            </a:rPr>
+            <a:t>)</a:t>
+          </a:r>
+          <a:endParaRPr lang="pt-br" sz="2000" kern="1200" dirty="0"/>
         </a:p>
         <a:p>
           <a:pPr marL="228600" lvl="1" indent="-228600" algn="l" defTabSz="889000" rtl="0">
@@ -4429,24 +4449,24 @@
           </a:pPr>
           <a:r>
             <a:rPr lang="pt-BR" sz="2000" kern="1200" dirty="0">
-              <a:latin typeface="Tahoma" panose="020B0604030504040204" pitchFamily="34" charset="0"/>
-              <a:ea typeface="Tahoma" panose="020B0604030504040204" pitchFamily="34" charset="0"/>
-              <a:cs typeface="Tahoma" panose="020B0604030504040204" pitchFamily="34" charset="0"/>
+              <a:latin typeface="Tahoma"/>
+              <a:ea typeface="Tahoma"/>
+              <a:cs typeface="Tahoma"/>
             </a:rPr>
             <a:t>Visual Studio </a:t>
           </a:r>
           <a:r>
             <a:rPr lang="pt-BR" sz="2000" kern="1200" dirty="0" err="1">
-              <a:latin typeface="Tahoma" panose="020B0604030504040204" pitchFamily="34" charset="0"/>
-              <a:ea typeface="Tahoma" panose="020B0604030504040204" pitchFamily="34" charset="0"/>
-              <a:cs typeface="Tahoma" panose="020B0604030504040204" pitchFamily="34" charset="0"/>
+              <a:latin typeface="Tahoma"/>
+              <a:ea typeface="Tahoma"/>
+              <a:cs typeface="Tahoma"/>
             </a:rPr>
             <a:t>code</a:t>
           </a:r>
           <a:endParaRPr lang="pt-br" sz="2000" kern="1200" dirty="0">
-            <a:latin typeface="Tahoma" panose="020B0604030504040204" pitchFamily="34" charset="0"/>
-            <a:ea typeface="Tahoma" panose="020B0604030504040204" pitchFamily="34" charset="0"/>
-            <a:cs typeface="Tahoma" panose="020B0604030504040204" pitchFamily="34" charset="0"/>
+            <a:latin typeface="Tahoma"/>
+            <a:ea typeface="Tahoma"/>
+            <a:cs typeface="Tahoma"/>
           </a:endParaRPr>
         </a:p>
         <a:p>
@@ -4550,7 +4570,7 @@
           </a:endParaRPr>
         </a:p>
         <a:p>
-          <a:pPr marL="228600" lvl="1" indent="-228600" algn="l" defTabSz="889000" rtl="0">
+          <a:pPr marL="228600" lvl="1" indent="-228600" algn="l" defTabSz="889000">
             <a:lnSpc>
               <a:spcPct val="90000"/>
             </a:lnSpc>
@@ -4564,9 +4584,9 @@
             <a:buNone/>
           </a:pPr>
           <a:endParaRPr lang="pt-br" sz="2000" kern="1200" dirty="0">
-            <a:latin typeface="Tahoma" panose="020B0604030504040204" pitchFamily="34" charset="0"/>
-            <a:ea typeface="Tahoma" panose="020B0604030504040204" pitchFamily="34" charset="0"/>
-            <a:cs typeface="Tahoma" panose="020B0604030504040204" pitchFamily="34" charset="0"/>
+            <a:latin typeface="Tahoma"/>
+            <a:ea typeface="Tahoma"/>
+            <a:cs typeface="Tahoma"/>
           </a:endParaRPr>
         </a:p>
         <a:p>
@@ -4629,10 +4649,29 @@
             <a:cs typeface="Tahoma" panose="020B0604030504040204" pitchFamily="34" charset="0"/>
           </a:endParaRPr>
         </a:p>
+        <a:p>
+          <a:pPr marL="285750" lvl="1" indent="-285750" algn="l" defTabSz="1600200" rtl="0">
+            <a:lnSpc>
+              <a:spcPct val="90000"/>
+            </a:lnSpc>
+            <a:spcBef>
+              <a:spcPct val="0"/>
+            </a:spcBef>
+            <a:spcAft>
+              <a:spcPct val="15000"/>
+            </a:spcAft>
+            <a:buChar char="•"/>
+          </a:pPr>
+          <a:endParaRPr lang="pt-br" sz="3600" kern="1200" dirty="0">
+            <a:latin typeface="Tahoma" panose="020B0604030504040204" pitchFamily="34" charset="0"/>
+            <a:ea typeface="Tahoma" panose="020B0604030504040204" pitchFamily="34" charset="0"/>
+            <a:cs typeface="Tahoma" panose="020B0604030504040204" pitchFamily="34" charset="0"/>
+          </a:endParaRPr>
+        </a:p>
       </dsp:txBody>
       <dsp:txXfrm>
-        <a:off x="3933537" y="660643"/>
-        <a:ext cx="3447370" cy="3804570"/>
+        <a:off x="3845233" y="699061"/>
+        <a:ext cx="3369979" cy="3756532"/>
       </dsp:txXfrm>
     </dsp:sp>
     <dsp:sp modelId="{23D06E36-F688-4B37-8BB8-73015E665B0E}">
@@ -4642,8 +4681,8 @@
       </dsp:nvSpPr>
       <dsp:spPr>
         <a:xfrm>
-          <a:off x="7863539" y="27042"/>
-          <a:ext cx="3447370" cy="633600"/>
+          <a:off x="7687010" y="36661"/>
+          <a:ext cx="3369979" cy="662400"/>
         </a:xfrm>
         <a:prstGeom prst="rect">
           <a:avLst/>
@@ -4684,12 +4723,12 @@
         </a:fontRef>
       </dsp:style>
       <dsp:txBody>
-        <a:bodyPr spcFirstLastPara="0" vert="horz" wrap="square" lIns="156464" tIns="89408" rIns="156464" bIns="89408" numCol="1" spcCol="1270" rtlCol="0" anchor="ctr" anchorCtr="0">
+        <a:bodyPr spcFirstLastPara="0" vert="horz" wrap="square" lIns="163576" tIns="93472" rIns="163576" bIns="93472" numCol="1" spcCol="1270" rtlCol="0" anchor="ctr" anchorCtr="0">
           <a:noAutofit/>
         </a:bodyPr>
         <a:lstStyle/>
         <a:p>
-          <a:pPr marL="0" lvl="0" indent="0" algn="ctr" defTabSz="977900" rtl="0">
+          <a:pPr marL="0" lvl="0" indent="0" algn="ctr" defTabSz="1022350" rtl="0">
             <a:lnSpc>
               <a:spcPct val="90000"/>
             </a:lnSpc>
@@ -4702,18 +4741,18 @@
             <a:buNone/>
           </a:pPr>
           <a:r>
-            <a:rPr lang="pt-br" sz="2200" kern="1200" dirty="0">
-              <a:latin typeface="Tahoma" panose="020B0604030504040204" pitchFamily="34" charset="0"/>
-              <a:ea typeface="Tahoma" panose="020B0604030504040204" pitchFamily="34" charset="0"/>
-              <a:cs typeface="Tahoma" panose="020B0604030504040204" pitchFamily="34" charset="0"/>
+            <a:rPr lang="pt-br" sz="2300" kern="1200" dirty="0">
+              <a:latin typeface="Tahoma"/>
+              <a:ea typeface="Tahoma"/>
+              <a:cs typeface="Tahoma"/>
             </a:rPr>
-            <a:t>Solução 3</a:t>
+            <a:t>Aplicações </a:t>
           </a:r>
         </a:p>
       </dsp:txBody>
       <dsp:txXfrm>
-        <a:off x="7863539" y="27042"/>
-        <a:ext cx="3447370" cy="633600"/>
+        <a:off x="7687010" y="36661"/>
+        <a:ext cx="3369979" cy="662400"/>
       </dsp:txXfrm>
     </dsp:sp>
     <dsp:sp modelId="{EA81ED6A-A7EA-4137-A3DC-D16E79F1B938}">
@@ -4723,8 +4762,8 @@
       </dsp:nvSpPr>
       <dsp:spPr>
         <a:xfrm>
-          <a:off x="7863539" y="660643"/>
-          <a:ext cx="3447370" cy="3804570"/>
+          <a:off x="7687010" y="699061"/>
+          <a:ext cx="3369979" cy="3756532"/>
         </a:xfrm>
         <a:prstGeom prst="rect">
           <a:avLst/>
@@ -4767,12 +4806,12 @@
         <a:fontRef idx="minor"/>
       </dsp:style>
       <dsp:txBody>
-        <a:bodyPr spcFirstLastPara="0" vert="horz" wrap="square" lIns="117348" tIns="117348" rIns="156464" bIns="176022" numCol="1" spcCol="1270" rtlCol="0" anchor="t" anchorCtr="0">
+        <a:bodyPr spcFirstLastPara="0" vert="horz" wrap="square" lIns="122682" tIns="122682" rIns="163576" bIns="184023" numCol="1" spcCol="1270" rtlCol="0" anchor="t" anchorCtr="0">
           <a:noAutofit/>
         </a:bodyPr>
         <a:lstStyle/>
         <a:p>
-          <a:pPr marL="228600" lvl="1" indent="-228600" algn="l" defTabSz="977900" rtl="0">
+          <a:pPr marL="228600" lvl="1" indent="-228600" algn="l" defTabSz="1022350" rtl="0">
             <a:lnSpc>
               <a:spcPct val="90000"/>
             </a:lnSpc>
@@ -4786,16 +4825,16 @@
             <a:buChar char=""/>
           </a:pPr>
           <a:r>
-            <a:rPr lang="pt-br" sz="2200" kern="1200">
-              <a:latin typeface="Tahoma" panose="020B0604030504040204" pitchFamily="34" charset="0"/>
-              <a:ea typeface="Tahoma" panose="020B0604030504040204" pitchFamily="34" charset="0"/>
-              <a:cs typeface="Tahoma" panose="020B0604030504040204" pitchFamily="34" charset="0"/>
+            <a:rPr lang="pt-br" sz="2300" kern="1200" dirty="0">
+              <a:latin typeface="Tahoma"/>
+              <a:ea typeface="Tahoma"/>
+              <a:cs typeface="Tahoma"/>
             </a:rPr>
-            <a:t>Quais materiais são necessário nesta solução?</a:t>
+            <a:t>Qt Creator</a:t>
           </a:r>
         </a:p>
         <a:p>
-          <a:pPr marL="228600" lvl="1" indent="-228600" algn="l" defTabSz="977900" rtl="0">
+          <a:pPr marL="228600" lvl="1" indent="-228600" algn="l" defTabSz="1022350" rtl="0">
             <a:lnSpc>
               <a:spcPct val="90000"/>
             </a:lnSpc>
@@ -4809,16 +4848,16 @@
             <a:buChar char=""/>
           </a:pPr>
           <a:r>
-            <a:rPr lang="pt-br" sz="2200" kern="1200">
-              <a:latin typeface="Tahoma" panose="020B0604030504040204" pitchFamily="34" charset="0"/>
-              <a:ea typeface="Tahoma" panose="020B0604030504040204" pitchFamily="34" charset="0"/>
-              <a:cs typeface="Tahoma" panose="020B0604030504040204" pitchFamily="34" charset="0"/>
+            <a:rPr lang="pt-br" sz="2300" kern="1200" dirty="0">
+              <a:latin typeface="Tahoma"/>
+              <a:ea typeface="Tahoma"/>
+              <a:cs typeface="Tahoma"/>
             </a:rPr>
-            <a:t>Como seria a aparência desta solução (desenho, imagens, texto)?</a:t>
+            <a:t>Site na Web</a:t>
           </a:r>
         </a:p>
         <a:p>
-          <a:pPr marL="228600" lvl="1" indent="-228600" algn="l" defTabSz="977900" rtl="0">
+          <a:pPr marL="228600" lvl="1" indent="-228600" algn="l" defTabSz="1022350" rtl="0">
             <a:lnSpc>
               <a:spcPct val="90000"/>
             </a:lnSpc>
@@ -4831,19 +4870,16 @@
             <a:buFont typeface="Wingdings" panose="05000000000000000000" pitchFamily="2" charset="2"/>
             <a:buChar char=""/>
           </a:pPr>
-          <a:r>
-            <a:rPr lang="pt-br" sz="2200" kern="1200">
-              <a:latin typeface="Tahoma" panose="020B0604030504040204" pitchFamily="34" charset="0"/>
-              <a:ea typeface="Tahoma" panose="020B0604030504040204" pitchFamily="34" charset="0"/>
-              <a:cs typeface="Tahoma" panose="020B0604030504040204" pitchFamily="34" charset="0"/>
-            </a:rPr>
-            <a:t>Quais são algumas barreiras que você pode enfrentar com esta solução?</a:t>
-          </a:r>
+          <a:endParaRPr lang="pt-br" sz="2300" kern="1200" dirty="0">
+            <a:latin typeface="Tahoma"/>
+            <a:ea typeface="Tahoma"/>
+            <a:cs typeface="Tahoma"/>
+          </a:endParaRPr>
         </a:p>
       </dsp:txBody>
       <dsp:txXfrm>
-        <a:off x="7863539" y="660643"/>
-        <a:ext cx="3447370" cy="3804570"/>
+        <a:off x="7687010" y="699061"/>
+        <a:ext cx="3369979" cy="3756532"/>
       </dsp:txXfrm>
     </dsp:sp>
   </dsp:spTree>
@@ -7462,7 +7498,7 @@
           <a:p>
             <a:fld id="{8AF5B266-F467-492B-9CB1-9D8DAE746656}" type="datetimeFigureOut">
               <a:rPr lang="pt-BR" smtClean="0"/>
-              <a:t>23/01/2020</a:t>
+              <a:t>24/01/2020</a:t>
             </a:fld>
             <a:endParaRPr lang="pt-BR"/>
           </a:p>
@@ -7639,7 +7675,7 @@
           <a:p>
             <a:fld id="{FB2C4594-5209-43CD-867D-84E7774A7507}" type="datetimeFigureOut">
               <a:rPr lang="pt-BR" smtClean="0"/>
-              <a:t>23/01/2020</a:t>
+              <a:t>24/01/2020</a:t>
             </a:fld>
             <a:endParaRPr lang="pt-BR" dirty="0"/>
           </a:p>
@@ -8086,7 +8122,7 @@
           <a:p>
             <a:fld id="{52D7D9D4-EF1E-4C2E-9DBA-ADFF91DD6475}" type="slidenum">
               <a:rPr lang="pt-BR" smtClean="0"/>
-              <a:t>2</a:t>
+              <a:t>4</a:t>
             </a:fld>
             <a:endParaRPr lang="pt-BR"/>
           </a:p>
@@ -8095,7 +8131,7 @@
     </p:spTree>
     <p:extLst>
       <p:ext uri="{BB962C8B-B14F-4D97-AF65-F5344CB8AC3E}">
-        <p14:creationId xmlns:p14="http://schemas.microsoft.com/office/powerpoint/2010/main" val="2506822302"/>
+        <p14:creationId xmlns:p14="http://schemas.microsoft.com/office/powerpoint/2010/main" val="2017862055"/>
       </p:ext>
     </p:extLst>
   </p:cSld>
@@ -8170,7 +8206,7 @@
           <a:p>
             <a:fld id="{52D7D9D4-EF1E-4C2E-9DBA-ADFF91DD6475}" type="slidenum">
               <a:rPr lang="pt-BR" smtClean="0"/>
-              <a:t>3</a:t>
+              <a:t>2</a:t>
             </a:fld>
             <a:endParaRPr lang="pt-BR"/>
           </a:p>
@@ -8179,7 +8215,7 @@
     </p:spTree>
     <p:extLst>
       <p:ext uri="{BB962C8B-B14F-4D97-AF65-F5344CB8AC3E}">
-        <p14:creationId xmlns:p14="http://schemas.microsoft.com/office/powerpoint/2010/main" val="2392995324"/>
+        <p14:creationId xmlns:p14="http://schemas.microsoft.com/office/powerpoint/2010/main" val="2506822302"/>
       </p:ext>
     </p:extLst>
   </p:cSld>
@@ -8254,7 +8290,7 @@
           <a:p>
             <a:fld id="{52D7D9D4-EF1E-4C2E-9DBA-ADFF91DD6475}" type="slidenum">
               <a:rPr lang="pt-BR" smtClean="0"/>
-              <a:t>4</a:t>
+              <a:t>3</a:t>
             </a:fld>
             <a:endParaRPr lang="pt-BR"/>
           </a:p>
@@ -8263,7 +8299,7 @@
     </p:spTree>
     <p:extLst>
       <p:ext uri="{BB962C8B-B14F-4D97-AF65-F5344CB8AC3E}">
-        <p14:creationId xmlns:p14="http://schemas.microsoft.com/office/powerpoint/2010/main" val="2017862055"/>
+        <p14:creationId xmlns:p14="http://schemas.microsoft.com/office/powerpoint/2010/main" val="2392995324"/>
       </p:ext>
     </p:extLst>
   </p:cSld>
@@ -12892,7 +12928,7 @@
             <a:pPr rtl="0"/>
             <a:fld id="{A36D024B-6521-43EE-B75B-026EF60BA7AA}" type="datetime1">
               <a:rPr lang="pt-BR" noProof="0" smtClean="0"/>
-              <a:t>23/01/2020</a:t>
+              <a:t>24/01/2020</a:t>
             </a:fld>
             <a:endParaRPr lang="pt-BR" noProof="0"/>
           </a:p>
@@ -13161,7 +13197,7 @@
             <a:pPr rtl="0"/>
             <a:fld id="{F3D46644-0C8C-4B2E-8369-CCEA0EB26CA8}" type="datetime1">
               <a:rPr lang="pt-BR" noProof="0" smtClean="0"/>
-              <a:t>23/01/2020</a:t>
+              <a:t>24/01/2020</a:t>
             </a:fld>
             <a:endParaRPr lang="pt-BR" noProof="0"/>
           </a:p>
@@ -13360,7 +13396,7 @@
             <a:pPr rtl="0"/>
             <a:fld id="{7B5BEA7F-1AFB-49DD-A3F1-64E1620E51B2}" type="datetime1">
               <a:rPr lang="pt-BR" noProof="0" smtClean="0"/>
-              <a:t>23/01/2020</a:t>
+              <a:t>24/01/2020</a:t>
             </a:fld>
             <a:endParaRPr lang="pt-BR" noProof="0"/>
           </a:p>
@@ -13626,7 +13662,7 @@
             <a:pPr rtl="0"/>
             <a:fld id="{29A47D19-B5A2-4A09-8BCF-61189AC8F394}" type="datetime1">
               <a:rPr lang="pt-BR" noProof="0" smtClean="0"/>
-              <a:t>23/01/2020</a:t>
+              <a:t>24/01/2020</a:t>
             </a:fld>
             <a:endParaRPr lang="pt-BR" noProof="0"/>
           </a:p>
@@ -14063,7 +14099,7 @@
             <a:pPr rtl="0"/>
             <a:fld id="{649D303F-115C-4AB0-BF64-F84AF60E4332}" type="datetime1">
               <a:rPr lang="pt-BR" noProof="0" smtClean="0"/>
-              <a:t>23/01/2020</a:t>
+              <a:t>24/01/2020</a:t>
             </a:fld>
             <a:endParaRPr lang="pt-BR" noProof="0"/>
           </a:p>
@@ -14612,7 +14648,7 @@
             <a:pPr rtl="0"/>
             <a:fld id="{E4196294-876E-45EB-8002-578B34D9D72B}" type="datetime1">
               <a:rPr lang="pt-BR" noProof="0" smtClean="0"/>
-              <a:t>23/01/2020</a:t>
+              <a:t>24/01/2020</a:t>
             </a:fld>
             <a:endParaRPr lang="pt-BR" noProof="0"/>
           </a:p>
@@ -15332,7 +15368,7 @@
             <a:pPr rtl="0"/>
             <a:fld id="{1848C094-59C3-4D57-80C2-C16021DBB375}" type="datetime1">
               <a:rPr lang="pt-BR" noProof="0" smtClean="0"/>
-              <a:t>23/01/2020</a:t>
+              <a:t>24/01/2020</a:t>
             </a:fld>
             <a:endParaRPr lang="pt-BR" noProof="0"/>
           </a:p>
@@ -15504,7 +15540,7 @@
             <a:pPr rtl="0"/>
             <a:fld id="{88E65B06-1465-42AE-BF94-C0F0F1ABA3D0}" type="datetime1">
               <a:rPr lang="pt-BR" noProof="0" smtClean="0"/>
-              <a:t>23/01/2020</a:t>
+              <a:t>24/01/2020</a:t>
             </a:fld>
             <a:endParaRPr lang="pt-BR" noProof="0"/>
           </a:p>
@@ -15686,7 +15722,7 @@
             <a:pPr rtl="0"/>
             <a:fld id="{4B04C83B-3B65-45AF-99D0-468CEDD0DC72}" type="datetime1">
               <a:rPr lang="pt-BR" noProof="0" smtClean="0"/>
-              <a:t>23/01/2020</a:t>
+              <a:t>24/01/2020</a:t>
             </a:fld>
             <a:endParaRPr lang="pt-BR" noProof="0"/>
           </a:p>
@@ -15858,7 +15894,7 @@
             <a:pPr rtl="0"/>
             <a:fld id="{B0C596BE-B23C-4E59-BC1A-9483DC8394B5}" type="datetime1">
               <a:rPr lang="pt-BR" noProof="0" smtClean="0"/>
-              <a:t>23/01/2020</a:t>
+              <a:t>24/01/2020</a:t>
             </a:fld>
             <a:endParaRPr lang="pt-BR" noProof="0"/>
           </a:p>
@@ -16111,7 +16147,7 @@
             <a:pPr rtl="0"/>
             <a:fld id="{8FD7BE37-C264-483A-9871-139F2D8C2CAC}" type="datetime1">
               <a:rPr lang="pt-BR" noProof="0" smtClean="0"/>
-              <a:t>23/01/2020</a:t>
+              <a:t>24/01/2020</a:t>
             </a:fld>
             <a:endParaRPr lang="pt-BR" noProof="0"/>
           </a:p>
@@ -16344,7 +16380,7 @@
             <a:pPr rtl="0"/>
             <a:fld id="{9CBF9FE5-D85B-40F6-BDA0-C55FD244BAE0}" type="datetime1">
               <a:rPr lang="pt-BR" noProof="0" smtClean="0"/>
-              <a:t>23/01/2020</a:t>
+              <a:t>24/01/2020</a:t>
             </a:fld>
             <a:endParaRPr lang="pt-BR" noProof="0"/>
           </a:p>
@@ -16726,7 +16762,7 @@
             <a:pPr rtl="0"/>
             <a:fld id="{D31AF743-7AA7-4A27-A8F7-F31693243353}" type="datetime1">
               <a:rPr lang="pt-BR" noProof="0" smtClean="0"/>
-              <a:t>23/01/2020</a:t>
+              <a:t>24/01/2020</a:t>
             </a:fld>
             <a:endParaRPr lang="pt-BR" noProof="0"/>
           </a:p>
@@ -16847,7 +16883,7 @@
             <a:pPr rtl="0"/>
             <a:fld id="{501EAB95-A7A3-4242-8365-938AB69D927B}" type="datetime1">
               <a:rPr lang="pt-BR" noProof="0" smtClean="0"/>
-              <a:t>23/01/2020</a:t>
+              <a:t>24/01/2020</a:t>
             </a:fld>
             <a:endParaRPr lang="pt-BR" noProof="0"/>
           </a:p>
@@ -16945,7 +16981,7 @@
             <a:pPr rtl="0"/>
             <a:fld id="{17E8544A-C266-48C9-A6C9-13B162D21F47}" type="datetime1">
               <a:rPr lang="pt-BR" noProof="0" smtClean="0"/>
-              <a:t>23/01/2020</a:t>
+              <a:t>24/01/2020</a:t>
             </a:fld>
             <a:endParaRPr lang="pt-BR" noProof="0"/>
           </a:p>
@@ -17196,7 +17232,7 @@
             <a:pPr rtl="0"/>
             <a:fld id="{4F205157-E6F1-45B4-B896-DE2A344F09C6}" type="datetime1">
               <a:rPr lang="pt-BR" noProof="0" smtClean="0"/>
-              <a:t>23/01/2020</a:t>
+              <a:t>24/01/2020</a:t>
             </a:fld>
             <a:endParaRPr lang="pt-BR" noProof="0"/>
           </a:p>
@@ -17479,7 +17515,7 @@
             <a:pPr rtl="0"/>
             <a:fld id="{F71F8E9B-B567-4425-A671-20F07253D543}" type="datetime1">
               <a:rPr lang="pt-BR" noProof="0" smtClean="0"/>
-              <a:t>23/01/2020</a:t>
+              <a:t>24/01/2020</a:t>
             </a:fld>
             <a:endParaRPr lang="pt-BR" noProof="0"/>
           </a:p>
@@ -20549,7 +20585,7 @@
             <a:pPr rtl="0"/>
             <a:fld id="{0B1C55FA-99E2-4221-8083-01517F2C3AC3}" type="datetime1">
               <a:rPr lang="pt-BR" noProof="0" smtClean="0"/>
-              <a:t>23/01/2020</a:t>
+              <a:t>24/01/2020</a:t>
             </a:fld>
             <a:endParaRPr lang="pt-BR" noProof="0" dirty="0"/>
           </a:p>
@@ -21140,51 +21176,141 @@
             <a:pPr rtl="0"/>
             <a:r>
               <a:rPr lang="pt-BR" sz="4400" dirty="0">
-                <a:latin typeface="Rockwell" panose="02060603020205020403" pitchFamily="18" charset="0"/>
+                <a:latin typeface="Rockwell"/>
               </a:rPr>
-              <a:t>A importância de proteger circuitos elétricos</a:t>
+              <a:t>objetivos Do Projeto</a:t>
             </a:r>
+            <a:endParaRPr lang="pt-BR" sz="4400" dirty="0">
+              <a:latin typeface="Rockwell" panose="02060603020205020403" pitchFamily="18" charset="0"/>
+            </a:endParaRPr>
           </a:p>
         </p:txBody>
       </p:sp>
-      <p:graphicFrame>
-        <p:nvGraphicFramePr>
-          <p:cNvPr id="4" name="Espaço Reservado para Conteúdo 3">
+      <p:sp>
+        <p:nvSpPr>
+          <p:cNvPr id="3" name="Espaço Reservado para Conteúdo 2">
             <a:extLst>
               <a:ext uri="{FF2B5EF4-FFF2-40B4-BE49-F238E27FC236}">
-                <a16:creationId xmlns:a16="http://schemas.microsoft.com/office/drawing/2014/main" id="{8D4F1745-A55E-4835-88EB-BC637121B608}"/>
-              </a:ext>
-              <a:ext uri="{C183D7F6-B498-43B3-948B-1728B52AA6E4}">
-                <adec:decorative xmlns:adec="http://schemas.microsoft.com/office/drawing/2017/decorative" val="1"/>
+                <a16:creationId xmlns:a16="http://schemas.microsoft.com/office/drawing/2014/main" id="{143F5361-68C0-4BF5-80C8-F1E7BF92B2DB}"/>
               </a:ext>
             </a:extLst>
           </p:cNvPr>
-          <p:cNvGraphicFramePr>
-            <a:graphicFrameLocks noGrp="1"/>
-          </p:cNvGraphicFramePr>
+          <p:cNvSpPr>
+            <a:spLocks noGrp="1"/>
+          </p:cNvSpPr>
           <p:nvPr>
             <p:ph idx="1"/>
-            <p:extLst>
-              <p:ext uri="{D42A27DB-BD31-4B8C-83A1-F6EECF244321}">
-                <p14:modId xmlns:p14="http://schemas.microsoft.com/office/powerpoint/2010/main" val="5743989"/>
-              </p:ext>
-            </p:extLst>
           </p:nvPr>
-        </p:nvGraphicFramePr>
-        <p:xfrm>
-          <a:off x="1141413" y="2249488"/>
-          <a:ext cx="9906000" cy="3541712"/>
-        </p:xfrm>
-        <a:graphic>
-          <a:graphicData uri="http://schemas.openxmlformats.org/drawingml/2006/diagram">
-            <dgm:relIds xmlns:dgm="http://schemas.openxmlformats.org/drawingml/2006/diagram" xmlns:r="http://schemas.openxmlformats.org/officeDocument/2006/relationships" r:dm="rId3" r:lo="rId4" r:qs="rId5" r:cs="rId6"/>
-          </a:graphicData>
-        </a:graphic>
-      </p:graphicFrame>
+        </p:nvSpPr>
+        <p:spPr/>
+        <p:txBody>
+          <a:bodyPr vert="horz" lIns="91440" tIns="45720" rIns="91440" bIns="45720" rtlCol="0" anchor="t">
+            <a:normAutofit/>
+          </a:bodyPr>
+          <a:lstStyle/>
+          <a:p>
+            <a:pPr lvl="1" rtl="0"/>
+            <a:r>
+              <a:rPr lang="pt-BR" sz="2400" dirty="0">
+                <a:latin typeface="Tahoma" panose="020B0604030504040204" pitchFamily="34" charset="0"/>
+                <a:ea typeface="Tahoma" panose="020B0604030504040204" pitchFamily="34" charset="0"/>
+                <a:cs typeface="Tahoma" panose="020B0604030504040204" pitchFamily="34" charset="0"/>
+              </a:rPr>
+              <a:t>Criar um sistema que monitore e controle a corrente consumida por um equipamento elétrico</a:t>
+            </a:r>
+          </a:p>
+          <a:p>
+            <a:pPr lvl="1" rtl="0"/>
+            <a:r>
+              <a:rPr lang="pt-BR" sz="2400" dirty="0">
+                <a:latin typeface="Tahoma"/>
+                <a:ea typeface="Tahoma"/>
+                <a:cs typeface="Tahoma"/>
+              </a:rPr>
+              <a:t>Identificar de início os surtos ocorridos no sistema</a:t>
+            </a:r>
+          </a:p>
+          <a:p>
+            <a:pPr lvl="1" rtl="0"/>
+            <a:r>
+              <a:rPr lang="pt-BR" sz="2400" dirty="0">
+                <a:latin typeface="Tahoma" panose="020B0604030504040204" pitchFamily="34" charset="0"/>
+                <a:ea typeface="Tahoma" panose="020B0604030504040204" pitchFamily="34" charset="0"/>
+                <a:cs typeface="Tahoma" panose="020B0604030504040204" pitchFamily="34" charset="0"/>
+              </a:rPr>
+              <a:t>Fornecer segurança a instalação </a:t>
+            </a:r>
+          </a:p>
+          <a:p>
+            <a:pPr lvl="1"/>
+            <a:r>
+              <a:rPr lang="pt-BR" sz="2400" dirty="0">
+                <a:latin typeface="Tahoma"/>
+                <a:ea typeface="Tahoma"/>
+                <a:cs typeface="Tahoma"/>
+              </a:rPr>
+              <a:t> Aplicação de inovações tecnológicas </a:t>
+            </a:r>
+            <a:endParaRPr lang="pt-BR" sz="2400" dirty="0">
+              <a:latin typeface="Tahoma" panose="020B0604030504040204" pitchFamily="34" charset="0"/>
+              <a:ea typeface="Tahoma" panose="020B0604030504040204" pitchFamily="34" charset="0"/>
+              <a:cs typeface="Tahoma" panose="020B0604030504040204" pitchFamily="34" charset="0"/>
+            </a:endParaRPr>
+          </a:p>
+          <a:p>
+            <a:pPr lvl="1" rtl="0"/>
+            <a:r>
+              <a:rPr lang="pt-BR" sz="2400" dirty="0">
+                <a:latin typeface="Tahoma" panose="020B0604030504040204" pitchFamily="34" charset="0"/>
+                <a:ea typeface="Tahoma" panose="020B0604030504040204" pitchFamily="34" charset="0"/>
+                <a:cs typeface="Tahoma" panose="020B0604030504040204" pitchFamily="34" charset="0"/>
+              </a:rPr>
+              <a:t>Utilizar o conceito de internet das coisas</a:t>
+            </a:r>
+          </a:p>
+          <a:p>
+            <a:pPr lvl="1"/>
+            <a:r>
+              <a:rPr lang="pt-BR" sz="2400" dirty="0">
+                <a:latin typeface="Tahoma"/>
+                <a:ea typeface="Tahoma"/>
+                <a:cs typeface="Tahoma"/>
+              </a:rPr>
+              <a:t>Apresentar um produto com baixo custo para o mercado</a:t>
+            </a:r>
+          </a:p>
+          <a:p>
+            <a:pPr marL="457200" lvl="1" indent="0" rtl="0">
+              <a:buNone/>
+            </a:pPr>
+            <a:endParaRPr lang="pt-BR" sz="2400" dirty="0">
+              <a:latin typeface="Tahoma" panose="020B0604030504040204" pitchFamily="34" charset="0"/>
+              <a:ea typeface="Tahoma" panose="020B0604030504040204" pitchFamily="34" charset="0"/>
+              <a:cs typeface="Tahoma" panose="020B0604030504040204" pitchFamily="34" charset="0"/>
+            </a:endParaRPr>
+          </a:p>
+          <a:p>
+            <a:pPr lvl="1" rtl="0"/>
+            <a:endParaRPr lang="pt-BR" sz="2400" dirty="0">
+              <a:latin typeface="Tahoma" panose="020B0604030504040204" pitchFamily="34" charset="0"/>
+              <a:ea typeface="Tahoma" panose="020B0604030504040204" pitchFamily="34" charset="0"/>
+              <a:cs typeface="Tahoma" panose="020B0604030504040204" pitchFamily="34" charset="0"/>
+            </a:endParaRPr>
+          </a:p>
+          <a:p>
+            <a:pPr lvl="1"/>
+            <a:endParaRPr lang="pt-BR" sz="2400" dirty="0">
+              <a:latin typeface="Tahoma" panose="020B0604030504040204" pitchFamily="34" charset="0"/>
+              <a:ea typeface="Tahoma" panose="020B0604030504040204" pitchFamily="34" charset="0"/>
+              <a:cs typeface="Tahoma" panose="020B0604030504040204" pitchFamily="34" charset="0"/>
+            </a:endParaRPr>
+          </a:p>
+        </p:txBody>
+      </p:sp>
     </p:spTree>
     <p:extLst>
       <p:ext uri="{BB962C8B-B14F-4D97-AF65-F5344CB8AC3E}">
-        <p14:creationId xmlns:p14="http://schemas.microsoft.com/office/powerpoint/2010/main" val="3253689747"/>
+        <p14:creationId xmlns:p14="http://schemas.microsoft.com/office/powerpoint/2010/main" val="2919556985"/>
       </p:ext>
     </p:extLst>
   </p:cSld>
@@ -21239,8 +21365,107 @@
               <a:rPr lang="pt-BR" sz="4400" dirty="0">
                 <a:latin typeface="Rockwell" panose="02060603020205020403" pitchFamily="18" charset="0"/>
               </a:rPr>
-              <a:t>Problemas</a:t>
+              <a:t>A importância de proteger circuitos elétricos</a:t>
             </a:r>
+          </a:p>
+        </p:txBody>
+      </p:sp>
+      <p:graphicFrame>
+        <p:nvGraphicFramePr>
+          <p:cNvPr id="4" name="Espaço Reservado para Conteúdo 3">
+            <a:extLst>
+              <a:ext uri="{FF2B5EF4-FFF2-40B4-BE49-F238E27FC236}">
+                <a16:creationId xmlns:a16="http://schemas.microsoft.com/office/drawing/2014/main" id="{8D4F1745-A55E-4835-88EB-BC637121B608}"/>
+              </a:ext>
+              <a:ext uri="{C183D7F6-B498-43B3-948B-1728B52AA6E4}">
+                <adec:decorative xmlns:adec="http://schemas.microsoft.com/office/drawing/2017/decorative" val="1"/>
+              </a:ext>
+            </a:extLst>
+          </p:cNvPr>
+          <p:cNvGraphicFramePr>
+            <a:graphicFrameLocks noGrp="1"/>
+          </p:cNvGraphicFramePr>
+          <p:nvPr>
+            <p:ph idx="1"/>
+            <p:extLst>
+              <p:ext uri="{D42A27DB-BD31-4B8C-83A1-F6EECF244321}">
+                <p14:modId xmlns:p14="http://schemas.microsoft.com/office/powerpoint/2010/main" val="1613181893"/>
+              </p:ext>
+            </p:extLst>
+          </p:nvPr>
+        </p:nvGraphicFramePr>
+        <p:xfrm>
+          <a:off x="1141413" y="2249488"/>
+          <a:ext cx="9906000" cy="3541712"/>
+        </p:xfrm>
+        <a:graphic>
+          <a:graphicData uri="http://schemas.openxmlformats.org/drawingml/2006/diagram">
+            <dgm:relIds xmlns:dgm="http://schemas.openxmlformats.org/drawingml/2006/diagram" xmlns:r="http://schemas.openxmlformats.org/officeDocument/2006/relationships" r:dm="rId3" r:lo="rId4" r:qs="rId5" r:cs="rId6"/>
+          </a:graphicData>
+        </a:graphic>
+      </p:graphicFrame>
+    </p:spTree>
+    <p:extLst>
+      <p:ext uri="{BB962C8B-B14F-4D97-AF65-F5344CB8AC3E}">
+        <p14:creationId xmlns:p14="http://schemas.microsoft.com/office/powerpoint/2010/main" val="3253689747"/>
+      </p:ext>
+    </p:extLst>
+  </p:cSld>
+  <p:clrMapOvr>
+    <a:masterClrMapping/>
+  </p:clrMapOvr>
+</p:sld>
+</file>
+
+<file path=ppt/slides/slide4.xml><?xml version="1.0" encoding="utf-8"?>
+<p:sld xmlns:a="http://schemas.openxmlformats.org/drawingml/2006/main" xmlns:r="http://schemas.openxmlformats.org/officeDocument/2006/relationships" xmlns:p="http://schemas.openxmlformats.org/presentationml/2006/main">
+  <p:cSld>
+    <p:spTree>
+      <p:nvGrpSpPr>
+        <p:cNvPr id="1" name=""/>
+        <p:cNvGrpSpPr/>
+        <p:nvPr/>
+      </p:nvGrpSpPr>
+      <p:grpSpPr>
+        <a:xfrm>
+          <a:off x="0" y="0"/>
+          <a:ext cx="0" cy="0"/>
+          <a:chOff x="0" y="0"/>
+          <a:chExt cx="0" cy="0"/>
+        </a:xfrm>
+      </p:grpSpPr>
+      <p:sp>
+        <p:nvSpPr>
+          <p:cNvPr id="2" name="Título 1">
+            <a:extLst>
+              <a:ext uri="{FF2B5EF4-FFF2-40B4-BE49-F238E27FC236}">
+                <a16:creationId xmlns:a16="http://schemas.microsoft.com/office/drawing/2014/main" id="{34DB6CE4-2B13-4715-B5B2-615A55922CA1}"/>
+              </a:ext>
+            </a:extLst>
+          </p:cNvPr>
+          <p:cNvSpPr>
+            <a:spLocks noGrp="1"/>
+          </p:cNvSpPr>
+          <p:nvPr>
+            <p:ph type="title"/>
+          </p:nvPr>
+        </p:nvSpPr>
+        <p:spPr/>
+        <p:txBody>
+          <a:bodyPr rtlCol="0">
+            <a:normAutofit/>
+          </a:bodyPr>
+          <a:lstStyle/>
+          <a:p>
+            <a:r>
+              <a:rPr lang="pt-BR" sz="4400" dirty="0">
+                <a:latin typeface="Rockwell"/>
+              </a:rPr>
+              <a:t>Principais Problemas </a:t>
+            </a:r>
+            <a:endParaRPr lang="pt-BR" sz="4400" dirty="0">
+              <a:latin typeface="Rockwell" panose="02060603020205020403" pitchFamily="18" charset="0"/>
+            </a:endParaRPr>
           </a:p>
         </p:txBody>
       </p:sp>
@@ -21334,185 +21559,6 @@
 </p:sld>
 </file>
 
-<file path=ppt/slides/slide4.xml><?xml version="1.0" encoding="utf-8"?>
-<p:sld xmlns:a="http://schemas.openxmlformats.org/drawingml/2006/main" xmlns:r="http://schemas.openxmlformats.org/officeDocument/2006/relationships" xmlns:p="http://schemas.openxmlformats.org/presentationml/2006/main">
-  <p:cSld>
-    <p:spTree>
-      <p:nvGrpSpPr>
-        <p:cNvPr id="1" name=""/>
-        <p:cNvGrpSpPr/>
-        <p:nvPr/>
-      </p:nvGrpSpPr>
-      <p:grpSpPr>
-        <a:xfrm>
-          <a:off x="0" y="0"/>
-          <a:ext cx="0" cy="0"/>
-          <a:chOff x="0" y="0"/>
-          <a:chExt cx="0" cy="0"/>
-        </a:xfrm>
-      </p:grpSpPr>
-      <p:sp>
-        <p:nvSpPr>
-          <p:cNvPr id="2" name="Título 1">
-            <a:extLst>
-              <a:ext uri="{FF2B5EF4-FFF2-40B4-BE49-F238E27FC236}">
-                <a16:creationId xmlns:a16="http://schemas.microsoft.com/office/drawing/2014/main" id="{34DB6CE4-2B13-4715-B5B2-615A55922CA1}"/>
-              </a:ext>
-            </a:extLst>
-          </p:cNvPr>
-          <p:cNvSpPr>
-            <a:spLocks noGrp="1"/>
-          </p:cNvSpPr>
-          <p:nvPr>
-            <p:ph type="title"/>
-          </p:nvPr>
-        </p:nvSpPr>
-        <p:spPr/>
-        <p:txBody>
-          <a:bodyPr rtlCol="0">
-            <a:normAutofit/>
-          </a:bodyPr>
-          <a:lstStyle/>
-          <a:p>
-            <a:pPr rtl="0"/>
-            <a:r>
-              <a:rPr lang="pt-BR" sz="4400" dirty="0">
-                <a:latin typeface="Rockwell" panose="02060603020205020403" pitchFamily="18" charset="0"/>
-              </a:rPr>
-              <a:t>objetivos Do Protótipo</a:t>
-            </a:r>
-          </a:p>
-        </p:txBody>
-      </p:sp>
-      <p:sp>
-        <p:nvSpPr>
-          <p:cNvPr id="3" name="Espaço Reservado para Conteúdo 2">
-            <a:extLst>
-              <a:ext uri="{FF2B5EF4-FFF2-40B4-BE49-F238E27FC236}">
-                <a16:creationId xmlns:a16="http://schemas.microsoft.com/office/drawing/2014/main" id="{143F5361-68C0-4BF5-80C8-F1E7BF92B2DB}"/>
-              </a:ext>
-            </a:extLst>
-          </p:cNvPr>
-          <p:cNvSpPr>
-            <a:spLocks noGrp="1"/>
-          </p:cNvSpPr>
-          <p:nvPr>
-            <p:ph idx="1"/>
-          </p:nvPr>
-        </p:nvSpPr>
-        <p:spPr/>
-        <p:txBody>
-          <a:bodyPr rtlCol="0">
-            <a:normAutofit/>
-          </a:bodyPr>
-          <a:lstStyle/>
-          <a:p>
-            <a:pPr lvl="1" rtl="0"/>
-            <a:r>
-              <a:rPr lang="pt-BR" sz="2400" dirty="0">
-                <a:latin typeface="Tahoma" panose="020B0604030504040204" pitchFamily="34" charset="0"/>
-                <a:ea typeface="Tahoma" panose="020B0604030504040204" pitchFamily="34" charset="0"/>
-                <a:cs typeface="Tahoma" panose="020B0604030504040204" pitchFamily="34" charset="0"/>
-              </a:rPr>
-              <a:t>Criar um sistema que monitore e controle a corrente consumida por um equipamento elétrico</a:t>
-            </a:r>
-          </a:p>
-          <a:p>
-            <a:pPr lvl="1" rtl="0"/>
-            <a:r>
-              <a:rPr lang="pt-BR" sz="2400" dirty="0">
-                <a:latin typeface="Tahoma" panose="020B0604030504040204" pitchFamily="34" charset="0"/>
-                <a:ea typeface="Tahoma" panose="020B0604030504040204" pitchFamily="34" charset="0"/>
-                <a:cs typeface="Tahoma" panose="020B0604030504040204" pitchFamily="34" charset="0"/>
-              </a:rPr>
-              <a:t>Identificar de inicio os surtos ocorridos no sistema</a:t>
-            </a:r>
-          </a:p>
-          <a:p>
-            <a:pPr lvl="1" rtl="0"/>
-            <a:r>
-              <a:rPr lang="pt-BR" sz="2400" dirty="0">
-                <a:latin typeface="Tahoma" panose="020B0604030504040204" pitchFamily="34" charset="0"/>
-                <a:ea typeface="Tahoma" panose="020B0604030504040204" pitchFamily="34" charset="0"/>
-                <a:cs typeface="Tahoma" panose="020B0604030504040204" pitchFamily="34" charset="0"/>
-              </a:rPr>
-              <a:t>Apresentar baixo custo para o consumidor final</a:t>
-            </a:r>
-          </a:p>
-          <a:p>
-            <a:pPr lvl="1" rtl="0"/>
-            <a:r>
-              <a:rPr lang="pt-BR" sz="2400" dirty="0">
-                <a:latin typeface="Tahoma" panose="020B0604030504040204" pitchFamily="34" charset="0"/>
-                <a:ea typeface="Tahoma" panose="020B0604030504040204" pitchFamily="34" charset="0"/>
-                <a:cs typeface="Tahoma" panose="020B0604030504040204" pitchFamily="34" charset="0"/>
-              </a:rPr>
-              <a:t>Fornecer segurança a instalação </a:t>
-            </a:r>
-          </a:p>
-          <a:p>
-            <a:pPr lvl="1" rtl="0"/>
-            <a:r>
-              <a:rPr lang="pt-BR" sz="2400" dirty="0">
-                <a:latin typeface="Tahoma" panose="020B0604030504040204" pitchFamily="34" charset="0"/>
-                <a:ea typeface="Tahoma" panose="020B0604030504040204" pitchFamily="34" charset="0"/>
-                <a:cs typeface="Tahoma" panose="020B0604030504040204" pitchFamily="34" charset="0"/>
-              </a:rPr>
-              <a:t>A aplicação das inovações tecnológicas </a:t>
-            </a:r>
-          </a:p>
-          <a:p>
-            <a:pPr lvl="1" rtl="0"/>
-            <a:r>
-              <a:rPr lang="pt-BR" sz="2400" dirty="0">
-                <a:latin typeface="Tahoma" panose="020B0604030504040204" pitchFamily="34" charset="0"/>
-                <a:ea typeface="Tahoma" panose="020B0604030504040204" pitchFamily="34" charset="0"/>
-                <a:cs typeface="Tahoma" panose="020B0604030504040204" pitchFamily="34" charset="0"/>
-              </a:rPr>
-              <a:t>Utilizar o conceito de internet das coisas</a:t>
-            </a:r>
-          </a:p>
-          <a:p>
-            <a:pPr marL="457200" lvl="1" indent="0" rtl="0">
-              <a:buNone/>
-            </a:pPr>
-            <a:endParaRPr lang="pt-BR" sz="2400" dirty="0">
-              <a:latin typeface="Tahoma" panose="020B0604030504040204" pitchFamily="34" charset="0"/>
-              <a:ea typeface="Tahoma" panose="020B0604030504040204" pitchFamily="34" charset="0"/>
-              <a:cs typeface="Tahoma" panose="020B0604030504040204" pitchFamily="34" charset="0"/>
-            </a:endParaRPr>
-          </a:p>
-          <a:p>
-            <a:pPr lvl="1" rtl="0"/>
-            <a:endParaRPr lang="pt-BR" sz="2400" dirty="0">
-              <a:latin typeface="Tahoma" panose="020B0604030504040204" pitchFamily="34" charset="0"/>
-              <a:ea typeface="Tahoma" panose="020B0604030504040204" pitchFamily="34" charset="0"/>
-              <a:cs typeface="Tahoma" panose="020B0604030504040204" pitchFamily="34" charset="0"/>
-            </a:endParaRPr>
-          </a:p>
-          <a:p>
-            <a:pPr lvl="1" rtl="0"/>
-            <a:endParaRPr lang="pt-BR" sz="2400" dirty="0">
-              <a:latin typeface="Tahoma" panose="020B0604030504040204" pitchFamily="34" charset="0"/>
-              <a:ea typeface="Tahoma" panose="020B0604030504040204" pitchFamily="34" charset="0"/>
-              <a:cs typeface="Tahoma" panose="020B0604030504040204" pitchFamily="34" charset="0"/>
-            </a:endParaRPr>
-          </a:p>
-        </p:txBody>
-      </p:sp>
-    </p:spTree>
-    <p:extLst>
-      <p:ext uri="{BB962C8B-B14F-4D97-AF65-F5344CB8AC3E}">
-        <p14:creationId xmlns:p14="http://schemas.microsoft.com/office/powerpoint/2010/main" val="2919556985"/>
-      </p:ext>
-    </p:extLst>
-  </p:cSld>
-  <p:clrMapOvr>
-    <a:masterClrMapping/>
-  </p:clrMapOvr>
-</p:sld>
-</file>
-
 <file path=ppt/slides/slide5.xml><?xml version="1.0" encoding="utf-8"?>
 <p:sld xmlns:a="http://schemas.openxmlformats.org/drawingml/2006/main" xmlns:r="http://schemas.openxmlformats.org/officeDocument/2006/relationships" xmlns:p="http://schemas.openxmlformats.org/presentationml/2006/main">
   <p:cSld>
@@ -21582,14 +21628,14 @@
             <p:ph idx="1"/>
             <p:extLst>
               <p:ext uri="{D42A27DB-BD31-4B8C-83A1-F6EECF244321}">
-                <p14:modId xmlns:p14="http://schemas.microsoft.com/office/powerpoint/2010/main" val="3960527895"/>
+                <p14:modId xmlns:p14="http://schemas.microsoft.com/office/powerpoint/2010/main" val="47873167"/>
               </p:ext>
             </p:extLst>
           </p:nvPr>
         </p:nvGraphicFramePr>
         <p:xfrm>
-          <a:off x="477061" y="1871331"/>
-          <a:ext cx="11314446" cy="4492256"/>
+          <a:off x="787505" y="1716109"/>
+          <a:ext cx="11060447" cy="4492256"/>
         </p:xfrm>
         <a:graphic>
           <a:graphicData uri="http://schemas.openxmlformats.org/drawingml/2006/diagram">
@@ -21779,9 +21825,9 @@
             <a:pPr rtl="0"/>
             <a:r>
               <a:rPr lang="pt-BR" sz="4400" dirty="0">
-                <a:latin typeface="Rockwell" panose="02060603020205020403" pitchFamily="18" charset="0"/>
+                <a:latin typeface="Rockwell"/>
               </a:rPr>
-              <a:t>Teste o Protótipo</a:t>
+              <a:t>Teste do Protótipo</a:t>
             </a:r>
           </a:p>
         </p:txBody>
@@ -21802,7 +21848,12 @@
             <p:ph idx="1"/>
           </p:nvPr>
         </p:nvSpPr>
-        <p:spPr/>
+        <p:spPr>
+          <a:xfrm>
+            <a:off x="1141412" y="2263598"/>
+            <a:ext cx="9905999" cy="3541714"/>
+          </a:xfrm>
+        </p:spPr>
         <p:txBody>
           <a:bodyPr rtlCol="0">
             <a:normAutofit/>
